--- a/Paxos/PaxosFigures.pptx
+++ b/Paxos/PaxosFigures.pptx
@@ -5,7 +5,7 @@
     <p:sldMasterId id="2147483648" r:id="rId1"/>
   </p:sldMasterIdLst>
   <p:notesMasterIdLst>
-    <p:notesMasterId r:id="rId9"/>
+    <p:notesMasterId r:id="rId12"/>
   </p:notesMasterIdLst>
   <p:sldIdLst>
     <p:sldId id="269" r:id="rId2"/>
@@ -15,6 +15,9 @@
     <p:sldId id="263" r:id="rId6"/>
     <p:sldId id="287" r:id="rId7"/>
     <p:sldId id="271" r:id="rId8"/>
+    <p:sldId id="288" r:id="rId9"/>
+    <p:sldId id="289" r:id="rId10"/>
+    <p:sldId id="290" r:id="rId11"/>
   </p:sldIdLst>
   <p:sldSz cx="9144000" cy="6858000" type="screen4x3"/>
   <p:notesSz cx="6858000" cy="9144000"/>
@@ -198,7 +201,7 @@
           <a:p>
             <a:fld id="{B33891FE-27CB-0C4D-B1E1-043FC199E573}" type="datetimeFigureOut">
               <a:rPr lang="en-US" smtClean="0"/>
-              <a:t>10/27/21</a:t>
+              <a:t>10/30/21</a:t>
             </a:fld>
             <a:endParaRPr lang="en-US"/>
           </a:p>
@@ -647,7 +650,7 @@
           <a:p>
             <a:fld id="{47AE7B2A-8733-2840-8D5C-95E6C767432A}" type="datetimeFigureOut">
               <a:rPr lang="en-US" smtClean="0"/>
-              <a:t>10/27/21</a:t>
+              <a:t>10/30/21</a:t>
             </a:fld>
             <a:endParaRPr lang="en-US"/>
           </a:p>
@@ -817,7 +820,7 @@
           <a:p>
             <a:fld id="{47AE7B2A-8733-2840-8D5C-95E6C767432A}" type="datetimeFigureOut">
               <a:rPr lang="en-US" smtClean="0"/>
-              <a:t>10/27/21</a:t>
+              <a:t>10/30/21</a:t>
             </a:fld>
             <a:endParaRPr lang="en-US"/>
           </a:p>
@@ -997,7 +1000,7 @@
           <a:p>
             <a:fld id="{47AE7B2A-8733-2840-8D5C-95E6C767432A}" type="datetimeFigureOut">
               <a:rPr lang="en-US" smtClean="0"/>
-              <a:t>10/27/21</a:t>
+              <a:t>10/30/21</a:t>
             </a:fld>
             <a:endParaRPr lang="en-US"/>
           </a:p>
@@ -1167,7 +1170,7 @@
           <a:p>
             <a:fld id="{47AE7B2A-8733-2840-8D5C-95E6C767432A}" type="datetimeFigureOut">
               <a:rPr lang="en-US" smtClean="0"/>
-              <a:t>10/27/21</a:t>
+              <a:t>10/30/21</a:t>
             </a:fld>
             <a:endParaRPr lang="en-US"/>
           </a:p>
@@ -1413,7 +1416,7 @@
           <a:p>
             <a:fld id="{47AE7B2A-8733-2840-8D5C-95E6C767432A}" type="datetimeFigureOut">
               <a:rPr lang="en-US" smtClean="0"/>
-              <a:t>10/27/21</a:t>
+              <a:t>10/30/21</a:t>
             </a:fld>
             <a:endParaRPr lang="en-US"/>
           </a:p>
@@ -1701,7 +1704,7 @@
           <a:p>
             <a:fld id="{47AE7B2A-8733-2840-8D5C-95E6C767432A}" type="datetimeFigureOut">
               <a:rPr lang="en-US" smtClean="0"/>
-              <a:t>10/27/21</a:t>
+              <a:t>10/30/21</a:t>
             </a:fld>
             <a:endParaRPr lang="en-US"/>
           </a:p>
@@ -2123,7 +2126,7 @@
           <a:p>
             <a:fld id="{47AE7B2A-8733-2840-8D5C-95E6C767432A}" type="datetimeFigureOut">
               <a:rPr lang="en-US" smtClean="0"/>
-              <a:t>10/27/21</a:t>
+              <a:t>10/30/21</a:t>
             </a:fld>
             <a:endParaRPr lang="en-US"/>
           </a:p>
@@ -2241,7 +2244,7 @@
           <a:p>
             <a:fld id="{47AE7B2A-8733-2840-8D5C-95E6C767432A}" type="datetimeFigureOut">
               <a:rPr lang="en-US" smtClean="0"/>
-              <a:t>10/27/21</a:t>
+              <a:t>10/30/21</a:t>
             </a:fld>
             <a:endParaRPr lang="en-US"/>
           </a:p>
@@ -2336,7 +2339,7 @@
           <a:p>
             <a:fld id="{47AE7B2A-8733-2840-8D5C-95E6C767432A}" type="datetimeFigureOut">
               <a:rPr lang="en-US" smtClean="0"/>
-              <a:t>10/27/21</a:t>
+              <a:t>10/30/21</a:t>
             </a:fld>
             <a:endParaRPr lang="en-US"/>
           </a:p>
@@ -2613,7 +2616,7 @@
           <a:p>
             <a:fld id="{47AE7B2A-8733-2840-8D5C-95E6C767432A}" type="datetimeFigureOut">
               <a:rPr lang="en-US" smtClean="0"/>
-              <a:t>10/27/21</a:t>
+              <a:t>10/30/21</a:t>
             </a:fld>
             <a:endParaRPr lang="en-US"/>
           </a:p>
@@ -2866,7 +2869,7 @@
           <a:p>
             <a:fld id="{47AE7B2A-8733-2840-8D5C-95E6C767432A}" type="datetimeFigureOut">
               <a:rPr lang="en-US" smtClean="0"/>
-              <a:t>10/27/21</a:t>
+              <a:t>10/30/21</a:t>
             </a:fld>
             <a:endParaRPr lang="en-US"/>
           </a:p>
@@ -3079,7 +3082,7 @@
           <a:p>
             <a:fld id="{47AE7B2A-8733-2840-8D5C-95E6C767432A}" type="datetimeFigureOut">
               <a:rPr lang="en-US" smtClean="0"/>
-              <a:t>10/27/21</a:t>
+              <a:t>10/30/21</a:t>
             </a:fld>
             <a:endParaRPr lang="en-US"/>
           </a:p>
@@ -4301,6 +4304,1512 @@
 </p:sld>
 </file>
 
+<file path=ppt/slides/slide10.xml><?xml version="1.0" encoding="utf-8"?>
+<p:sld xmlns:a="http://schemas.openxmlformats.org/drawingml/2006/main" xmlns:r="http://schemas.openxmlformats.org/officeDocument/2006/relationships" xmlns:p="http://schemas.openxmlformats.org/presentationml/2006/main">
+  <p:cSld>
+    <p:spTree>
+      <p:nvGrpSpPr>
+        <p:cNvPr id="1" name=""/>
+        <p:cNvGrpSpPr/>
+        <p:nvPr/>
+      </p:nvGrpSpPr>
+      <p:grpSpPr>
+        <a:xfrm>
+          <a:off x="0" y="0"/>
+          <a:ext cx="0" cy="0"/>
+          <a:chOff x="0" y="0"/>
+          <a:chExt cx="0" cy="0"/>
+        </a:xfrm>
+      </p:grpSpPr>
+      <p:cxnSp>
+        <p:nvCxnSpPr>
+          <p:cNvPr id="8" name="Straight Arrow Connector 7"/>
+          <p:cNvCxnSpPr/>
+          <p:nvPr/>
+        </p:nvCxnSpPr>
+        <p:spPr>
+          <a:xfrm>
+            <a:off x="489618" y="3347315"/>
+            <a:ext cx="8425782" cy="0"/>
+          </a:xfrm>
+          <a:prstGeom prst="straightConnector1">
+            <a:avLst/>
+          </a:prstGeom>
+          <a:ln w="76200" cmpd="sng">
+            <a:solidFill>
+              <a:srgbClr val="FF0000"/>
+            </a:solidFill>
+            <a:tailEnd type="arrow"/>
+          </a:ln>
+        </p:spPr>
+        <p:style>
+          <a:lnRef idx="2">
+            <a:schemeClr val="accent1"/>
+          </a:lnRef>
+          <a:fillRef idx="0">
+            <a:schemeClr val="accent1"/>
+          </a:fillRef>
+          <a:effectRef idx="1">
+            <a:schemeClr val="accent1"/>
+          </a:effectRef>
+          <a:fontRef idx="minor">
+            <a:schemeClr val="tx1"/>
+          </a:fontRef>
+        </p:style>
+      </p:cxnSp>
+      <p:cxnSp>
+        <p:nvCxnSpPr>
+          <p:cNvPr id="10" name="Straight Arrow Connector 9"/>
+          <p:cNvCxnSpPr/>
+          <p:nvPr/>
+        </p:nvCxnSpPr>
+        <p:spPr>
+          <a:xfrm>
+            <a:off x="489618" y="4834691"/>
+            <a:ext cx="8425782" cy="0"/>
+          </a:xfrm>
+          <a:prstGeom prst="straightConnector1">
+            <a:avLst/>
+          </a:prstGeom>
+          <a:ln w="76200" cmpd="sng">
+            <a:tailEnd type="arrow"/>
+          </a:ln>
+        </p:spPr>
+        <p:style>
+          <a:lnRef idx="2">
+            <a:schemeClr val="accent1"/>
+          </a:lnRef>
+          <a:fillRef idx="0">
+            <a:schemeClr val="accent1"/>
+          </a:fillRef>
+          <a:effectRef idx="1">
+            <a:schemeClr val="accent1"/>
+          </a:effectRef>
+          <a:fontRef idx="minor">
+            <a:schemeClr val="tx1"/>
+          </a:fontRef>
+        </p:style>
+      </p:cxnSp>
+      <p:cxnSp>
+        <p:nvCxnSpPr>
+          <p:cNvPr id="27" name="Straight Arrow Connector 26"/>
+          <p:cNvCxnSpPr/>
+          <p:nvPr/>
+        </p:nvCxnSpPr>
+        <p:spPr>
+          <a:xfrm>
+            <a:off x="489618" y="2876306"/>
+            <a:ext cx="8425782" cy="0"/>
+          </a:xfrm>
+          <a:prstGeom prst="straightConnector1">
+            <a:avLst/>
+          </a:prstGeom>
+          <a:ln w="76200" cmpd="sng">
+            <a:solidFill>
+              <a:srgbClr val="FF0000"/>
+            </a:solidFill>
+            <a:tailEnd type="arrow"/>
+          </a:ln>
+        </p:spPr>
+        <p:style>
+          <a:lnRef idx="2">
+            <a:schemeClr val="accent1"/>
+          </a:lnRef>
+          <a:fillRef idx="0">
+            <a:schemeClr val="accent1"/>
+          </a:fillRef>
+          <a:effectRef idx="1">
+            <a:schemeClr val="accent1"/>
+          </a:effectRef>
+          <a:fontRef idx="minor">
+            <a:schemeClr val="tx1"/>
+          </a:fontRef>
+        </p:style>
+      </p:cxnSp>
+      <p:cxnSp>
+        <p:nvCxnSpPr>
+          <p:cNvPr id="17" name="Straight Arrow Connector 16"/>
+          <p:cNvCxnSpPr/>
+          <p:nvPr/>
+        </p:nvCxnSpPr>
+        <p:spPr>
+          <a:xfrm>
+            <a:off x="489618" y="5107407"/>
+            <a:ext cx="8371807" cy="0"/>
+          </a:xfrm>
+          <a:prstGeom prst="straightConnector1">
+            <a:avLst/>
+          </a:prstGeom>
+          <a:ln w="76200" cmpd="sng">
+            <a:headEnd type="none"/>
+            <a:tailEnd type="arrow"/>
+          </a:ln>
+        </p:spPr>
+        <p:style>
+          <a:lnRef idx="2">
+            <a:schemeClr val="accent1"/>
+          </a:lnRef>
+          <a:fillRef idx="0">
+            <a:schemeClr val="accent1"/>
+          </a:fillRef>
+          <a:effectRef idx="1">
+            <a:schemeClr val="accent1"/>
+          </a:effectRef>
+          <a:fontRef idx="minor">
+            <a:schemeClr val="tx1"/>
+          </a:fontRef>
+        </p:style>
+      </p:cxnSp>
+      <p:cxnSp>
+        <p:nvCxnSpPr>
+          <p:cNvPr id="18" name="Straight Arrow Connector 17"/>
+          <p:cNvCxnSpPr/>
+          <p:nvPr/>
+        </p:nvCxnSpPr>
+        <p:spPr>
+          <a:xfrm>
+            <a:off x="457912" y="5340017"/>
+            <a:ext cx="8430250" cy="0"/>
+          </a:xfrm>
+          <a:prstGeom prst="straightConnector1">
+            <a:avLst/>
+          </a:prstGeom>
+          <a:ln w="76200" cmpd="sng">
+            <a:prstDash val="solid"/>
+            <a:headEnd type="none"/>
+            <a:tailEnd type="arrow"/>
+          </a:ln>
+        </p:spPr>
+        <p:style>
+          <a:lnRef idx="2">
+            <a:schemeClr val="accent1"/>
+          </a:lnRef>
+          <a:fillRef idx="0">
+            <a:schemeClr val="accent1"/>
+          </a:fillRef>
+          <a:effectRef idx="1">
+            <a:schemeClr val="accent1"/>
+          </a:effectRef>
+          <a:fontRef idx="minor">
+            <a:schemeClr val="tx1"/>
+          </a:fontRef>
+        </p:style>
+      </p:cxnSp>
+      <p:cxnSp>
+        <p:nvCxnSpPr>
+          <p:cNvPr id="19" name="Straight Arrow Connector 18"/>
+          <p:cNvCxnSpPr/>
+          <p:nvPr/>
+        </p:nvCxnSpPr>
+        <p:spPr>
+          <a:xfrm>
+            <a:off x="507999" y="5610730"/>
+            <a:ext cx="8380163" cy="0"/>
+          </a:xfrm>
+          <a:prstGeom prst="straightConnector1">
+            <a:avLst/>
+          </a:prstGeom>
+          <a:ln w="76200" cmpd="sng">
+            <a:headEnd type="none"/>
+            <a:tailEnd type="arrow"/>
+          </a:ln>
+        </p:spPr>
+        <p:style>
+          <a:lnRef idx="2">
+            <a:schemeClr val="accent1"/>
+          </a:lnRef>
+          <a:fillRef idx="0">
+            <a:schemeClr val="accent1"/>
+          </a:fillRef>
+          <a:effectRef idx="1">
+            <a:schemeClr val="accent1"/>
+          </a:effectRef>
+          <a:fontRef idx="minor">
+            <a:schemeClr val="tx1"/>
+          </a:fontRef>
+        </p:style>
+      </p:cxnSp>
+      <p:cxnSp>
+        <p:nvCxnSpPr>
+          <p:cNvPr id="20" name="Straight Arrow Connector 19"/>
+          <p:cNvCxnSpPr/>
+          <p:nvPr/>
+        </p:nvCxnSpPr>
+        <p:spPr>
+          <a:xfrm>
+            <a:off x="489618" y="5831976"/>
+            <a:ext cx="8371807" cy="0"/>
+          </a:xfrm>
+          <a:prstGeom prst="straightConnector1">
+            <a:avLst/>
+          </a:prstGeom>
+          <a:ln w="76200" cmpd="sng">
+            <a:headEnd type="none"/>
+            <a:tailEnd type="arrow"/>
+          </a:ln>
+        </p:spPr>
+        <p:style>
+          <a:lnRef idx="2">
+            <a:schemeClr val="accent1"/>
+          </a:lnRef>
+          <a:fillRef idx="0">
+            <a:schemeClr val="accent1"/>
+          </a:fillRef>
+          <a:effectRef idx="1">
+            <a:schemeClr val="accent1"/>
+          </a:effectRef>
+          <a:fontRef idx="minor">
+            <a:schemeClr val="tx1"/>
+          </a:fontRef>
+        </p:style>
+      </p:cxnSp>
+      <p:cxnSp>
+        <p:nvCxnSpPr>
+          <p:cNvPr id="21" name="Straight Arrow Connector 20"/>
+          <p:cNvCxnSpPr/>
+          <p:nvPr/>
+        </p:nvCxnSpPr>
+        <p:spPr>
+          <a:xfrm>
+            <a:off x="457912" y="3833926"/>
+            <a:ext cx="8425782" cy="0"/>
+          </a:xfrm>
+          <a:prstGeom prst="straightConnector1">
+            <a:avLst/>
+          </a:prstGeom>
+          <a:ln w="76200" cmpd="sng">
+            <a:solidFill>
+              <a:srgbClr val="FF0000"/>
+            </a:solidFill>
+            <a:tailEnd type="arrow"/>
+          </a:ln>
+        </p:spPr>
+        <p:style>
+          <a:lnRef idx="2">
+            <a:schemeClr val="accent1"/>
+          </a:lnRef>
+          <a:fillRef idx="0">
+            <a:schemeClr val="accent1"/>
+          </a:fillRef>
+          <a:effectRef idx="1">
+            <a:schemeClr val="accent1"/>
+          </a:effectRef>
+          <a:fontRef idx="minor">
+            <a:schemeClr val="tx1"/>
+          </a:fontRef>
+        </p:style>
+      </p:cxnSp>
+      <p:cxnSp>
+        <p:nvCxnSpPr>
+          <p:cNvPr id="38" name="Straight Connector 37"/>
+          <p:cNvCxnSpPr/>
+          <p:nvPr/>
+        </p:nvCxnSpPr>
+        <p:spPr>
+          <a:xfrm>
+            <a:off x="5500442" y="5610730"/>
+            <a:ext cx="0" cy="382999"/>
+          </a:xfrm>
+          <a:prstGeom prst="line">
+            <a:avLst/>
+          </a:prstGeom>
+          <a:ln>
+            <a:solidFill>
+              <a:srgbClr val="800000"/>
+            </a:solidFill>
+          </a:ln>
+        </p:spPr>
+        <p:style>
+          <a:lnRef idx="2">
+            <a:schemeClr val="accent1"/>
+          </a:lnRef>
+          <a:fillRef idx="0">
+            <a:schemeClr val="accent1"/>
+          </a:fillRef>
+          <a:effectRef idx="1">
+            <a:schemeClr val="accent1"/>
+          </a:effectRef>
+          <a:fontRef idx="minor">
+            <a:schemeClr val="tx1"/>
+          </a:fontRef>
+        </p:style>
+      </p:cxnSp>
+      <p:cxnSp>
+        <p:nvCxnSpPr>
+          <p:cNvPr id="22" name="Straight Connector 21"/>
+          <p:cNvCxnSpPr/>
+          <p:nvPr/>
+        </p:nvCxnSpPr>
+        <p:spPr>
+          <a:xfrm>
+            <a:off x="5259142" y="5380131"/>
+            <a:ext cx="0" cy="382999"/>
+          </a:xfrm>
+          <a:prstGeom prst="line">
+            <a:avLst/>
+          </a:prstGeom>
+          <a:ln>
+            <a:solidFill>
+              <a:srgbClr val="800000"/>
+            </a:solidFill>
+          </a:ln>
+        </p:spPr>
+        <p:style>
+          <a:lnRef idx="2">
+            <a:schemeClr val="accent1"/>
+          </a:lnRef>
+          <a:fillRef idx="0">
+            <a:schemeClr val="accent1"/>
+          </a:fillRef>
+          <a:effectRef idx="1">
+            <a:schemeClr val="accent1"/>
+          </a:effectRef>
+          <a:fontRef idx="minor">
+            <a:schemeClr val="tx1"/>
+          </a:fontRef>
+        </p:style>
+      </p:cxnSp>
+      <p:cxnSp>
+        <p:nvCxnSpPr>
+          <p:cNvPr id="23" name="Straight Connector 22"/>
+          <p:cNvCxnSpPr/>
+          <p:nvPr/>
+        </p:nvCxnSpPr>
+        <p:spPr>
+          <a:xfrm>
+            <a:off x="5055942" y="5188631"/>
+            <a:ext cx="0" cy="382999"/>
+          </a:xfrm>
+          <a:prstGeom prst="line">
+            <a:avLst/>
+          </a:prstGeom>
+          <a:ln>
+            <a:solidFill>
+              <a:srgbClr val="800000"/>
+            </a:solidFill>
+          </a:ln>
+        </p:spPr>
+        <p:style>
+          <a:lnRef idx="2">
+            <a:schemeClr val="accent1"/>
+          </a:lnRef>
+          <a:fillRef idx="0">
+            <a:schemeClr val="accent1"/>
+          </a:fillRef>
+          <a:effectRef idx="1">
+            <a:schemeClr val="accent1"/>
+          </a:effectRef>
+          <a:fontRef idx="minor">
+            <a:schemeClr val="tx1"/>
+          </a:fontRef>
+        </p:style>
+      </p:cxnSp>
+      <p:sp>
+        <p:nvSpPr>
+          <p:cNvPr id="25" name="TextBox 24"/>
+          <p:cNvSpPr txBox="1"/>
+          <p:nvPr/>
+        </p:nvSpPr>
+        <p:spPr>
+          <a:xfrm>
+            <a:off x="499108" y="2414641"/>
+            <a:ext cx="1608133" cy="461665"/>
+          </a:xfrm>
+          <a:prstGeom prst="rect">
+            <a:avLst/>
+          </a:prstGeom>
+          <a:noFill/>
+        </p:spPr>
+        <p:txBody>
+          <a:bodyPr wrap="none" rtlCol="0">
+            <a:spAutoFit/>
+          </a:bodyPr>
+          <a:lstStyle/>
+          <a:p>
+            <a:r>
+              <a:rPr lang="en-US" sz="2400" b="1" dirty="0" smtClean="0">
+                <a:solidFill>
+                  <a:srgbClr val="FF0000"/>
+                </a:solidFill>
+              </a:rPr>
+              <a:t>Proposer A</a:t>
+            </a:r>
+            <a:endParaRPr lang="en-US" sz="2400" b="1" dirty="0">
+              <a:solidFill>
+                <a:srgbClr val="FF0000"/>
+              </a:solidFill>
+            </a:endParaRPr>
+          </a:p>
+        </p:txBody>
+      </p:sp>
+      <p:sp>
+        <p:nvSpPr>
+          <p:cNvPr id="26" name="TextBox 25"/>
+          <p:cNvSpPr txBox="1"/>
+          <p:nvPr/>
+        </p:nvSpPr>
+        <p:spPr>
+          <a:xfrm>
+            <a:off x="524055" y="2890777"/>
+            <a:ext cx="1583186" cy="461665"/>
+          </a:xfrm>
+          <a:prstGeom prst="rect">
+            <a:avLst/>
+          </a:prstGeom>
+          <a:noFill/>
+        </p:spPr>
+        <p:txBody>
+          <a:bodyPr wrap="none" rtlCol="0">
+            <a:spAutoFit/>
+          </a:bodyPr>
+          <a:lstStyle/>
+          <a:p>
+            <a:r>
+              <a:rPr lang="en-US" sz="2400" b="1" dirty="0" smtClean="0">
+                <a:solidFill>
+                  <a:srgbClr val="FF0000"/>
+                </a:solidFill>
+              </a:rPr>
+              <a:t>Proposer B</a:t>
+            </a:r>
+            <a:endParaRPr lang="en-US" sz="2400" b="1" dirty="0">
+              <a:solidFill>
+                <a:srgbClr val="FF0000"/>
+              </a:solidFill>
+            </a:endParaRPr>
+          </a:p>
+        </p:txBody>
+      </p:sp>
+      <p:sp>
+        <p:nvSpPr>
+          <p:cNvPr id="28" name="TextBox 27"/>
+          <p:cNvSpPr txBox="1"/>
+          <p:nvPr/>
+        </p:nvSpPr>
+        <p:spPr>
+          <a:xfrm>
+            <a:off x="533673" y="3372261"/>
+            <a:ext cx="1573568" cy="461665"/>
+          </a:xfrm>
+          <a:prstGeom prst="rect">
+            <a:avLst/>
+          </a:prstGeom>
+          <a:noFill/>
+        </p:spPr>
+        <p:txBody>
+          <a:bodyPr wrap="none" rtlCol="0">
+            <a:spAutoFit/>
+          </a:bodyPr>
+          <a:lstStyle/>
+          <a:p>
+            <a:r>
+              <a:rPr lang="en-US" sz="2400" b="1" dirty="0" smtClean="0">
+                <a:solidFill>
+                  <a:srgbClr val="FF0000"/>
+                </a:solidFill>
+              </a:rPr>
+              <a:t>Proposer </a:t>
+            </a:r>
+            <a:r>
+              <a:rPr lang="en-US" sz="2400" b="1" dirty="0">
+                <a:solidFill>
+                  <a:srgbClr val="FF0000"/>
+                </a:solidFill>
+              </a:rPr>
+              <a:t>C</a:t>
+            </a:r>
+          </a:p>
+        </p:txBody>
+      </p:sp>
+      <p:sp>
+        <p:nvSpPr>
+          <p:cNvPr id="30" name="TextBox 29"/>
+          <p:cNvSpPr txBox="1"/>
+          <p:nvPr/>
+        </p:nvSpPr>
+        <p:spPr>
+          <a:xfrm>
+            <a:off x="178257" y="5956251"/>
+            <a:ext cx="1928984" cy="461665"/>
+          </a:xfrm>
+          <a:prstGeom prst="rect">
+            <a:avLst/>
+          </a:prstGeom>
+          <a:noFill/>
+        </p:spPr>
+        <p:txBody>
+          <a:bodyPr wrap="none" rtlCol="0">
+            <a:spAutoFit/>
+          </a:bodyPr>
+          <a:lstStyle/>
+          <a:p>
+            <a:r>
+              <a:rPr lang="en-US" sz="2400" b="1" dirty="0" smtClean="0">
+                <a:solidFill>
+                  <a:srgbClr val="3366FF"/>
+                </a:solidFill>
+              </a:rPr>
+              <a:t>Acceptors 1-5</a:t>
+            </a:r>
+            <a:endParaRPr lang="en-US" sz="2400" b="1" dirty="0">
+              <a:solidFill>
+                <a:srgbClr val="3366FF"/>
+              </a:solidFill>
+            </a:endParaRPr>
+          </a:p>
+        </p:txBody>
+      </p:sp>
+      <p:sp>
+        <p:nvSpPr>
+          <p:cNvPr id="31" name="TextBox 30"/>
+          <p:cNvSpPr txBox="1"/>
+          <p:nvPr/>
+        </p:nvSpPr>
+        <p:spPr>
+          <a:xfrm>
+            <a:off x="6569438" y="4137035"/>
+            <a:ext cx="2148395" cy="461665"/>
+          </a:xfrm>
+          <a:prstGeom prst="rect">
+            <a:avLst/>
+          </a:prstGeom>
+          <a:noFill/>
+        </p:spPr>
+        <p:txBody>
+          <a:bodyPr wrap="none" rtlCol="0">
+            <a:spAutoFit/>
+          </a:bodyPr>
+          <a:lstStyle/>
+          <a:p>
+            <a:r>
+              <a:rPr lang="en-US" sz="2400" b="1" dirty="0">
+                <a:solidFill>
+                  <a:srgbClr val="660066"/>
+                </a:solidFill>
+              </a:rPr>
+              <a:t>a</a:t>
+            </a:r>
+            <a:r>
+              <a:rPr lang="en-US" sz="2400" b="1" dirty="0" smtClean="0">
+                <a:solidFill>
+                  <a:srgbClr val="660066"/>
+                </a:solidFill>
+              </a:rPr>
+              <a:t>ccepts (</a:t>
+            </a:r>
+            <a:r>
+              <a:rPr lang="en-US" sz="2400" b="1" dirty="0" smtClean="0">
+                <a:solidFill>
+                  <a:srgbClr val="660066"/>
+                </a:solidFill>
+              </a:rPr>
+              <a:t>T</a:t>
+            </a:r>
+            <a:r>
+              <a:rPr lang="en-US" sz="2400" b="1" baseline="-25000" dirty="0" smtClean="0">
+                <a:solidFill>
+                  <a:srgbClr val="660066"/>
+                </a:solidFill>
+              </a:rPr>
+              <a:t>0</a:t>
+            </a:r>
+            <a:r>
+              <a:rPr lang="en-US" sz="2400" b="1" dirty="0" smtClean="0">
+                <a:solidFill>
+                  <a:srgbClr val="660066"/>
+                </a:solidFill>
+              </a:rPr>
+              <a:t>, V</a:t>
+            </a:r>
+            <a:r>
+              <a:rPr lang="en-US" sz="2400" b="1" baseline="-25000" dirty="0" smtClean="0">
+                <a:solidFill>
+                  <a:srgbClr val="660066"/>
+                </a:solidFill>
+              </a:rPr>
+              <a:t>0</a:t>
+            </a:r>
+            <a:r>
+              <a:rPr lang="en-US" sz="2400" b="1" dirty="0" smtClean="0">
+                <a:solidFill>
+                  <a:srgbClr val="660066"/>
+                </a:solidFill>
+              </a:rPr>
+              <a:t>)</a:t>
+            </a:r>
+            <a:endParaRPr lang="en-US" sz="2400" b="1" dirty="0">
+              <a:solidFill>
+                <a:srgbClr val="660066"/>
+              </a:solidFill>
+            </a:endParaRPr>
+          </a:p>
+        </p:txBody>
+      </p:sp>
+      <p:cxnSp>
+        <p:nvCxnSpPr>
+          <p:cNvPr id="32" name="Straight Arrow Connector 31"/>
+          <p:cNvCxnSpPr>
+            <a:stCxn id="31" idx="1"/>
+          </p:cNvCxnSpPr>
+          <p:nvPr/>
+        </p:nvCxnSpPr>
+        <p:spPr>
+          <a:xfrm flipH="1">
+            <a:off x="5259142" y="4367868"/>
+            <a:ext cx="1310296" cy="1203762"/>
+          </a:xfrm>
+          <a:prstGeom prst="straightConnector1">
+            <a:avLst/>
+          </a:prstGeom>
+          <a:ln>
+            <a:solidFill>
+              <a:srgbClr val="800000"/>
+            </a:solidFill>
+            <a:prstDash val="dash"/>
+            <a:tailEnd type="arrow"/>
+          </a:ln>
+        </p:spPr>
+        <p:style>
+          <a:lnRef idx="2">
+            <a:schemeClr val="accent1"/>
+          </a:lnRef>
+          <a:fillRef idx="0">
+            <a:schemeClr val="accent1"/>
+          </a:fillRef>
+          <a:effectRef idx="1">
+            <a:schemeClr val="accent1"/>
+          </a:effectRef>
+          <a:fontRef idx="minor">
+            <a:schemeClr val="tx1"/>
+          </a:fontRef>
+        </p:style>
+      </p:cxnSp>
+      <p:cxnSp>
+        <p:nvCxnSpPr>
+          <p:cNvPr id="34" name="Straight Arrow Connector 33"/>
+          <p:cNvCxnSpPr>
+            <a:stCxn id="31" idx="1"/>
+          </p:cNvCxnSpPr>
+          <p:nvPr/>
+        </p:nvCxnSpPr>
+        <p:spPr>
+          <a:xfrm flipH="1">
+            <a:off x="5055942" y="4367868"/>
+            <a:ext cx="1513496" cy="972149"/>
+          </a:xfrm>
+          <a:prstGeom prst="straightConnector1">
+            <a:avLst/>
+          </a:prstGeom>
+          <a:ln>
+            <a:solidFill>
+              <a:srgbClr val="800000"/>
+            </a:solidFill>
+            <a:prstDash val="dash"/>
+            <a:tailEnd type="arrow"/>
+          </a:ln>
+        </p:spPr>
+        <p:style>
+          <a:lnRef idx="2">
+            <a:schemeClr val="accent1"/>
+          </a:lnRef>
+          <a:fillRef idx="0">
+            <a:schemeClr val="accent1"/>
+          </a:fillRef>
+          <a:effectRef idx="1">
+            <a:schemeClr val="accent1"/>
+          </a:effectRef>
+          <a:fontRef idx="minor">
+            <a:schemeClr val="tx1"/>
+          </a:fontRef>
+        </p:style>
+      </p:cxnSp>
+      <p:cxnSp>
+        <p:nvCxnSpPr>
+          <p:cNvPr id="35" name="Straight Arrow Connector 34"/>
+          <p:cNvCxnSpPr>
+            <a:stCxn id="31" idx="1"/>
+          </p:cNvCxnSpPr>
+          <p:nvPr/>
+        </p:nvCxnSpPr>
+        <p:spPr>
+          <a:xfrm flipH="1">
+            <a:off x="5500442" y="4367868"/>
+            <a:ext cx="1068996" cy="1395262"/>
+          </a:xfrm>
+          <a:prstGeom prst="straightConnector1">
+            <a:avLst/>
+          </a:prstGeom>
+          <a:ln>
+            <a:solidFill>
+              <a:srgbClr val="800000"/>
+            </a:solidFill>
+            <a:prstDash val="dash"/>
+            <a:tailEnd type="arrow"/>
+          </a:ln>
+        </p:spPr>
+        <p:style>
+          <a:lnRef idx="2">
+            <a:schemeClr val="accent1"/>
+          </a:lnRef>
+          <a:fillRef idx="0">
+            <a:schemeClr val="accent1"/>
+          </a:fillRef>
+          <a:effectRef idx="1">
+            <a:schemeClr val="accent1"/>
+          </a:effectRef>
+          <a:fontRef idx="minor">
+            <a:schemeClr val="tx1"/>
+          </a:fontRef>
+        </p:style>
+      </p:cxnSp>
+      <p:sp>
+        <p:nvSpPr>
+          <p:cNvPr id="46" name="TextBox 45"/>
+          <p:cNvSpPr txBox="1"/>
+          <p:nvPr/>
+        </p:nvSpPr>
+        <p:spPr>
+          <a:xfrm>
+            <a:off x="8717833" y="4387026"/>
+            <a:ext cx="340658" cy="461665"/>
+          </a:xfrm>
+          <a:prstGeom prst="rect">
+            <a:avLst/>
+          </a:prstGeom>
+          <a:noFill/>
+        </p:spPr>
+        <p:txBody>
+          <a:bodyPr wrap="none" rtlCol="0">
+            <a:spAutoFit/>
+          </a:bodyPr>
+          <a:lstStyle/>
+          <a:p>
+            <a:r>
+              <a:rPr lang="en-US" sz="2400" b="1" dirty="0" smtClean="0">
+                <a:solidFill>
+                  <a:srgbClr val="3366FF"/>
+                </a:solidFill>
+              </a:rPr>
+              <a:t>1</a:t>
+            </a:r>
+            <a:endParaRPr lang="en-US" sz="2400" b="1" dirty="0">
+              <a:solidFill>
+                <a:srgbClr val="3366FF"/>
+              </a:solidFill>
+            </a:endParaRPr>
+          </a:p>
+        </p:txBody>
+      </p:sp>
+      <p:sp>
+        <p:nvSpPr>
+          <p:cNvPr id="47" name="TextBox 46"/>
+          <p:cNvSpPr txBox="1"/>
+          <p:nvPr/>
+        </p:nvSpPr>
+        <p:spPr>
+          <a:xfrm>
+            <a:off x="8745071" y="5831976"/>
+            <a:ext cx="340658" cy="461665"/>
+          </a:xfrm>
+          <a:prstGeom prst="rect">
+            <a:avLst/>
+          </a:prstGeom>
+          <a:noFill/>
+        </p:spPr>
+        <p:txBody>
+          <a:bodyPr wrap="none" rtlCol="0">
+            <a:spAutoFit/>
+          </a:bodyPr>
+          <a:lstStyle/>
+          <a:p>
+            <a:r>
+              <a:rPr lang="en-US" sz="2400" b="1" dirty="0" smtClean="0">
+                <a:solidFill>
+                  <a:srgbClr val="3366FF"/>
+                </a:solidFill>
+              </a:rPr>
+              <a:t>5</a:t>
+            </a:r>
+            <a:endParaRPr lang="en-US" sz="2400" b="1" dirty="0">
+              <a:solidFill>
+                <a:srgbClr val="3366FF"/>
+              </a:solidFill>
+            </a:endParaRPr>
+          </a:p>
+        </p:txBody>
+      </p:sp>
+      <p:cxnSp>
+        <p:nvCxnSpPr>
+          <p:cNvPr id="3" name="Straight Connector 2"/>
+          <p:cNvCxnSpPr/>
+          <p:nvPr/>
+        </p:nvCxnSpPr>
+        <p:spPr>
+          <a:xfrm flipV="1">
+            <a:off x="5055942" y="4387026"/>
+            <a:ext cx="0" cy="801605"/>
+          </a:xfrm>
+          <a:prstGeom prst="line">
+            <a:avLst/>
+          </a:prstGeom>
+          <a:ln>
+            <a:solidFill>
+              <a:schemeClr val="tx1"/>
+            </a:solidFill>
+          </a:ln>
+        </p:spPr>
+        <p:style>
+          <a:lnRef idx="2">
+            <a:schemeClr val="accent1"/>
+          </a:lnRef>
+          <a:fillRef idx="0">
+            <a:schemeClr val="accent1"/>
+          </a:fillRef>
+          <a:effectRef idx="1">
+            <a:schemeClr val="accent1"/>
+          </a:effectRef>
+          <a:fontRef idx="minor">
+            <a:schemeClr val="tx1"/>
+          </a:fontRef>
+        </p:style>
+      </p:cxnSp>
+      <p:sp>
+        <p:nvSpPr>
+          <p:cNvPr id="4" name="TextBox 3"/>
+          <p:cNvSpPr txBox="1"/>
+          <p:nvPr/>
+        </p:nvSpPr>
+        <p:spPr>
+          <a:xfrm>
+            <a:off x="4870860" y="3884821"/>
+            <a:ext cx="370163" cy="523220"/>
+          </a:xfrm>
+          <a:prstGeom prst="rect">
+            <a:avLst/>
+          </a:prstGeom>
+          <a:noFill/>
+        </p:spPr>
+        <p:txBody>
+          <a:bodyPr wrap="none" rtlCol="0">
+            <a:spAutoFit/>
+          </a:bodyPr>
+          <a:lstStyle/>
+          <a:p>
+            <a:r>
+              <a:rPr lang="en-US" sz="2800" dirty="0" smtClean="0"/>
+              <a:t>P</a:t>
+            </a:r>
+            <a:endParaRPr lang="en-US" sz="2800" dirty="0"/>
+          </a:p>
+        </p:txBody>
+      </p:sp>
+      <p:cxnSp>
+        <p:nvCxnSpPr>
+          <p:cNvPr id="36" name="Straight Connector 35"/>
+          <p:cNvCxnSpPr/>
+          <p:nvPr/>
+        </p:nvCxnSpPr>
+        <p:spPr>
+          <a:xfrm>
+            <a:off x="4522542" y="4604721"/>
+            <a:ext cx="0" cy="382999"/>
+          </a:xfrm>
+          <a:prstGeom prst="line">
+            <a:avLst/>
+          </a:prstGeom>
+          <a:ln>
+            <a:solidFill>
+              <a:srgbClr val="800000"/>
+            </a:solidFill>
+          </a:ln>
+        </p:spPr>
+        <p:style>
+          <a:lnRef idx="2">
+            <a:schemeClr val="accent1"/>
+          </a:lnRef>
+          <a:fillRef idx="0">
+            <a:schemeClr val="accent1"/>
+          </a:fillRef>
+          <a:effectRef idx="1">
+            <a:schemeClr val="accent1"/>
+          </a:effectRef>
+          <a:fontRef idx="minor">
+            <a:schemeClr val="tx1"/>
+          </a:fontRef>
+        </p:style>
+      </p:cxnSp>
+      <p:cxnSp>
+        <p:nvCxnSpPr>
+          <p:cNvPr id="39" name="Straight Arrow Connector 38"/>
+          <p:cNvCxnSpPr/>
+          <p:nvPr/>
+        </p:nvCxnSpPr>
+        <p:spPr>
+          <a:xfrm>
+            <a:off x="3166034" y="3372261"/>
+            <a:ext cx="1356508" cy="1462430"/>
+          </a:xfrm>
+          <a:prstGeom prst="straightConnector1">
+            <a:avLst/>
+          </a:prstGeom>
+          <a:ln>
+            <a:solidFill>
+              <a:srgbClr val="000000"/>
+            </a:solidFill>
+            <a:prstDash val="solid"/>
+            <a:tailEnd type="arrow"/>
+          </a:ln>
+        </p:spPr>
+        <p:style>
+          <a:lnRef idx="2">
+            <a:schemeClr val="accent1"/>
+          </a:lnRef>
+          <a:fillRef idx="0">
+            <a:schemeClr val="accent1"/>
+          </a:fillRef>
+          <a:effectRef idx="1">
+            <a:schemeClr val="accent1"/>
+          </a:effectRef>
+          <a:fontRef idx="minor">
+            <a:schemeClr val="tx1"/>
+          </a:fontRef>
+        </p:style>
+      </p:cxnSp>
+      <p:sp>
+        <p:nvSpPr>
+          <p:cNvPr id="40" name="TextBox 39"/>
+          <p:cNvSpPr txBox="1"/>
+          <p:nvPr/>
+        </p:nvSpPr>
+        <p:spPr>
+          <a:xfrm>
+            <a:off x="2183734" y="1793258"/>
+            <a:ext cx="1969259" cy="461665"/>
+          </a:xfrm>
+          <a:prstGeom prst="rect">
+            <a:avLst/>
+          </a:prstGeom>
+          <a:noFill/>
+        </p:spPr>
+        <p:txBody>
+          <a:bodyPr wrap="none" rtlCol="0">
+            <a:spAutoFit/>
+          </a:bodyPr>
+          <a:lstStyle/>
+          <a:p>
+            <a:r>
+              <a:rPr lang="en-US" sz="2400" b="1" dirty="0" smtClean="0">
+                <a:solidFill>
+                  <a:srgbClr val="660066"/>
+                </a:solidFill>
+              </a:rPr>
+              <a:t>propose</a:t>
+            </a:r>
+            <a:r>
+              <a:rPr lang="en-US" sz="2400" b="1" dirty="0" smtClean="0">
+                <a:solidFill>
+                  <a:srgbClr val="660066"/>
+                </a:solidFill>
+              </a:rPr>
+              <a:t> (</a:t>
+            </a:r>
+            <a:r>
+              <a:rPr lang="en-US" sz="2400" b="1" dirty="0" smtClean="0">
+                <a:solidFill>
+                  <a:srgbClr val="660066"/>
+                </a:solidFill>
+              </a:rPr>
+              <a:t>T’</a:t>
+            </a:r>
+            <a:r>
+              <a:rPr lang="en-US" sz="2400" b="1" dirty="0" smtClean="0">
+                <a:solidFill>
+                  <a:srgbClr val="660066"/>
+                </a:solidFill>
+              </a:rPr>
+              <a:t>, -)</a:t>
+            </a:r>
+            <a:endParaRPr lang="en-US" sz="2400" b="1" dirty="0">
+              <a:solidFill>
+                <a:srgbClr val="660066"/>
+              </a:solidFill>
+            </a:endParaRPr>
+          </a:p>
+        </p:txBody>
+      </p:sp>
+      <p:sp>
+        <p:nvSpPr>
+          <p:cNvPr id="41" name="TextBox 40"/>
+          <p:cNvSpPr txBox="1"/>
+          <p:nvPr/>
+        </p:nvSpPr>
+        <p:spPr>
+          <a:xfrm>
+            <a:off x="5259142" y="1810702"/>
+            <a:ext cx="1879992" cy="461665"/>
+          </a:xfrm>
+          <a:prstGeom prst="rect">
+            <a:avLst/>
+          </a:prstGeom>
+          <a:noFill/>
+        </p:spPr>
+        <p:txBody>
+          <a:bodyPr wrap="none" rtlCol="0">
+            <a:spAutoFit/>
+          </a:bodyPr>
+          <a:lstStyle/>
+          <a:p>
+            <a:r>
+              <a:rPr lang="en-US" sz="2400" b="1" dirty="0">
+                <a:solidFill>
+                  <a:srgbClr val="660066"/>
+                </a:solidFill>
+              </a:rPr>
+              <a:t>a</a:t>
+            </a:r>
+            <a:r>
+              <a:rPr lang="en-US" sz="2400" b="1" dirty="0" smtClean="0">
+                <a:solidFill>
+                  <a:srgbClr val="660066"/>
+                </a:solidFill>
+              </a:rPr>
+              <a:t>ccepts </a:t>
+            </a:r>
+            <a:r>
+              <a:rPr lang="en-US" sz="2400" b="1" dirty="0" smtClean="0">
+                <a:solidFill>
+                  <a:srgbClr val="660066"/>
+                </a:solidFill>
+              </a:rPr>
+              <a:t>(</a:t>
+            </a:r>
+            <a:r>
+              <a:rPr lang="en-US" sz="2400" b="1" dirty="0" smtClean="0">
+                <a:solidFill>
+                  <a:srgbClr val="660066"/>
+                </a:solidFill>
+              </a:rPr>
+              <a:t>T’</a:t>
+            </a:r>
+            <a:r>
+              <a:rPr lang="en-US" sz="2400" b="1" dirty="0" smtClean="0">
+                <a:solidFill>
+                  <a:srgbClr val="660066"/>
+                </a:solidFill>
+              </a:rPr>
+              <a:t>, -)</a:t>
+            </a:r>
+            <a:endParaRPr lang="en-US" sz="2400" b="1" dirty="0">
+              <a:solidFill>
+                <a:srgbClr val="660066"/>
+              </a:solidFill>
+            </a:endParaRPr>
+          </a:p>
+        </p:txBody>
+      </p:sp>
+      <p:cxnSp>
+        <p:nvCxnSpPr>
+          <p:cNvPr id="42" name="Straight Arrow Connector 41"/>
+          <p:cNvCxnSpPr>
+            <a:stCxn id="41" idx="2"/>
+          </p:cNvCxnSpPr>
+          <p:nvPr/>
+        </p:nvCxnSpPr>
+        <p:spPr>
+          <a:xfrm flipH="1">
+            <a:off x="4522542" y="2272367"/>
+            <a:ext cx="1676596" cy="2562324"/>
+          </a:xfrm>
+          <a:prstGeom prst="straightConnector1">
+            <a:avLst/>
+          </a:prstGeom>
+          <a:ln>
+            <a:solidFill>
+              <a:srgbClr val="800000"/>
+            </a:solidFill>
+            <a:prstDash val="dash"/>
+            <a:tailEnd type="arrow"/>
+          </a:ln>
+        </p:spPr>
+        <p:style>
+          <a:lnRef idx="2">
+            <a:schemeClr val="accent1"/>
+          </a:lnRef>
+          <a:fillRef idx="0">
+            <a:schemeClr val="accent1"/>
+          </a:fillRef>
+          <a:effectRef idx="1">
+            <a:schemeClr val="accent1"/>
+          </a:effectRef>
+          <a:fontRef idx="minor">
+            <a:schemeClr val="tx1"/>
+          </a:fontRef>
+        </p:style>
+      </p:cxnSp>
+      <p:cxnSp>
+        <p:nvCxnSpPr>
+          <p:cNvPr id="9" name="Straight Connector 8"/>
+          <p:cNvCxnSpPr>
+            <a:stCxn id="40" idx="2"/>
+          </p:cNvCxnSpPr>
+          <p:nvPr/>
+        </p:nvCxnSpPr>
+        <p:spPr>
+          <a:xfrm>
+            <a:off x="3168364" y="2254923"/>
+            <a:ext cx="286036" cy="1364577"/>
+          </a:xfrm>
+          <a:prstGeom prst="line">
+            <a:avLst/>
+          </a:prstGeom>
+          <a:ln>
+            <a:prstDash val="dash"/>
+          </a:ln>
+        </p:spPr>
+        <p:style>
+          <a:lnRef idx="2">
+            <a:schemeClr val="accent1"/>
+          </a:lnRef>
+          <a:fillRef idx="0">
+            <a:schemeClr val="accent1"/>
+          </a:fillRef>
+          <a:effectRef idx="1">
+            <a:schemeClr val="accent1"/>
+          </a:effectRef>
+          <a:fontRef idx="minor">
+            <a:schemeClr val="tx1"/>
+          </a:fontRef>
+        </p:style>
+      </p:cxnSp>
+      <p:cxnSp>
+        <p:nvCxnSpPr>
+          <p:cNvPr id="5" name="Straight Arrow Connector 4"/>
+          <p:cNvCxnSpPr/>
+          <p:nvPr/>
+        </p:nvCxnSpPr>
+        <p:spPr>
+          <a:xfrm flipV="1">
+            <a:off x="2578100" y="3372261"/>
+            <a:ext cx="587934" cy="1476430"/>
+          </a:xfrm>
+          <a:prstGeom prst="straightConnector1">
+            <a:avLst/>
+          </a:prstGeom>
+          <a:ln>
+            <a:solidFill>
+              <a:srgbClr val="000000"/>
+            </a:solidFill>
+            <a:tailEnd type="arrow"/>
+          </a:ln>
+        </p:spPr>
+        <p:style>
+          <a:lnRef idx="2">
+            <a:schemeClr val="accent1"/>
+          </a:lnRef>
+          <a:fillRef idx="0">
+            <a:schemeClr val="accent1"/>
+          </a:fillRef>
+          <a:effectRef idx="1">
+            <a:schemeClr val="accent1"/>
+          </a:effectRef>
+          <a:fontRef idx="minor">
+            <a:schemeClr val="tx1"/>
+          </a:fontRef>
+        </p:style>
+      </p:cxnSp>
+      <p:cxnSp>
+        <p:nvCxnSpPr>
+          <p:cNvPr id="37" name="Straight Arrow Connector 36"/>
+          <p:cNvCxnSpPr/>
+          <p:nvPr/>
+        </p:nvCxnSpPr>
+        <p:spPr>
+          <a:xfrm flipV="1">
+            <a:off x="2387600" y="3347315"/>
+            <a:ext cx="546100" cy="1760092"/>
+          </a:xfrm>
+          <a:prstGeom prst="straightConnector1">
+            <a:avLst/>
+          </a:prstGeom>
+          <a:ln>
+            <a:solidFill>
+              <a:srgbClr val="000000"/>
+            </a:solidFill>
+            <a:tailEnd type="arrow"/>
+          </a:ln>
+        </p:spPr>
+        <p:style>
+          <a:lnRef idx="2">
+            <a:schemeClr val="accent1"/>
+          </a:lnRef>
+          <a:fillRef idx="0">
+            <a:schemeClr val="accent1"/>
+          </a:fillRef>
+          <a:effectRef idx="1">
+            <a:schemeClr val="accent1"/>
+          </a:effectRef>
+          <a:fontRef idx="minor">
+            <a:schemeClr val="tx1"/>
+          </a:fontRef>
+        </p:style>
+      </p:cxnSp>
+      <p:cxnSp>
+        <p:nvCxnSpPr>
+          <p:cNvPr id="43" name="Straight Arrow Connector 42"/>
+          <p:cNvCxnSpPr/>
+          <p:nvPr/>
+        </p:nvCxnSpPr>
+        <p:spPr>
+          <a:xfrm flipV="1">
+            <a:off x="2183734" y="3347315"/>
+            <a:ext cx="508666" cy="1992702"/>
+          </a:xfrm>
+          <a:prstGeom prst="straightConnector1">
+            <a:avLst/>
+          </a:prstGeom>
+          <a:ln>
+            <a:solidFill>
+              <a:srgbClr val="000000"/>
+            </a:solidFill>
+            <a:tailEnd type="arrow"/>
+          </a:ln>
+        </p:spPr>
+        <p:style>
+          <a:lnRef idx="2">
+            <a:schemeClr val="accent1"/>
+          </a:lnRef>
+          <a:fillRef idx="0">
+            <a:schemeClr val="accent1"/>
+          </a:fillRef>
+          <a:effectRef idx="1">
+            <a:schemeClr val="accent1"/>
+          </a:effectRef>
+          <a:fontRef idx="minor">
+            <a:schemeClr val="tx1"/>
+          </a:fontRef>
+        </p:style>
+      </p:cxnSp>
+      <p:sp>
+        <p:nvSpPr>
+          <p:cNvPr id="44" name="TextBox 43"/>
+          <p:cNvSpPr txBox="1"/>
+          <p:nvPr/>
+        </p:nvSpPr>
+        <p:spPr>
+          <a:xfrm>
+            <a:off x="371534" y="3966099"/>
+            <a:ext cx="1964600" cy="461665"/>
+          </a:xfrm>
+          <a:prstGeom prst="rect">
+            <a:avLst/>
+          </a:prstGeom>
+          <a:noFill/>
+        </p:spPr>
+        <p:txBody>
+          <a:bodyPr wrap="none" rtlCol="0">
+            <a:spAutoFit/>
+          </a:bodyPr>
+          <a:lstStyle/>
+          <a:p>
+            <a:r>
+              <a:rPr lang="en-US" sz="2400" b="1" dirty="0" smtClean="0">
+                <a:solidFill>
+                  <a:srgbClr val="660066"/>
+                </a:solidFill>
+              </a:rPr>
+              <a:t>promise</a:t>
+            </a:r>
+            <a:r>
+              <a:rPr lang="en-US" sz="2400" b="1" dirty="0" smtClean="0">
+                <a:solidFill>
+                  <a:srgbClr val="660066"/>
+                </a:solidFill>
+              </a:rPr>
+              <a:t> (</a:t>
+            </a:r>
+            <a:r>
+              <a:rPr lang="en-US" sz="2400" b="1" dirty="0" smtClean="0">
+                <a:solidFill>
+                  <a:srgbClr val="660066"/>
+                </a:solidFill>
+              </a:rPr>
+              <a:t>T’</a:t>
+            </a:r>
+            <a:r>
+              <a:rPr lang="en-US" sz="2400" b="1" dirty="0" smtClean="0">
+                <a:solidFill>
+                  <a:srgbClr val="660066"/>
+                </a:solidFill>
+              </a:rPr>
+              <a:t>, -)</a:t>
+            </a:r>
+            <a:endParaRPr lang="en-US" sz="2400" b="1" dirty="0">
+              <a:solidFill>
+                <a:srgbClr val="660066"/>
+              </a:solidFill>
+            </a:endParaRPr>
+          </a:p>
+        </p:txBody>
+      </p:sp>
+      <p:cxnSp>
+        <p:nvCxnSpPr>
+          <p:cNvPr id="45" name="Straight Connector 44"/>
+          <p:cNvCxnSpPr>
+            <a:stCxn id="44" idx="3"/>
+          </p:cNvCxnSpPr>
+          <p:nvPr/>
+        </p:nvCxnSpPr>
+        <p:spPr>
+          <a:xfrm flipV="1">
+            <a:off x="2336134" y="4137036"/>
+            <a:ext cx="597566" cy="59896"/>
+          </a:xfrm>
+          <a:prstGeom prst="line">
+            <a:avLst/>
+          </a:prstGeom>
+          <a:ln>
+            <a:prstDash val="dash"/>
+          </a:ln>
+        </p:spPr>
+        <p:style>
+          <a:lnRef idx="2">
+            <a:schemeClr val="accent1"/>
+          </a:lnRef>
+          <a:fillRef idx="0">
+            <a:schemeClr val="accent1"/>
+          </a:fillRef>
+          <a:effectRef idx="1">
+            <a:schemeClr val="accent1"/>
+          </a:effectRef>
+          <a:fontRef idx="minor">
+            <a:schemeClr val="tx1"/>
+          </a:fontRef>
+        </p:style>
+      </p:cxnSp>
+      <p:cxnSp>
+        <p:nvCxnSpPr>
+          <p:cNvPr id="48" name="Straight Connector 47"/>
+          <p:cNvCxnSpPr>
+            <a:stCxn id="44" idx="3"/>
+          </p:cNvCxnSpPr>
+          <p:nvPr/>
+        </p:nvCxnSpPr>
+        <p:spPr>
+          <a:xfrm>
+            <a:off x="2336134" y="4196932"/>
+            <a:ext cx="356266" cy="92504"/>
+          </a:xfrm>
+          <a:prstGeom prst="line">
+            <a:avLst/>
+          </a:prstGeom>
+          <a:ln>
+            <a:prstDash val="dash"/>
+          </a:ln>
+        </p:spPr>
+        <p:style>
+          <a:lnRef idx="2">
+            <a:schemeClr val="accent1"/>
+          </a:lnRef>
+          <a:fillRef idx="0">
+            <a:schemeClr val="accent1"/>
+          </a:fillRef>
+          <a:effectRef idx="1">
+            <a:schemeClr val="accent1"/>
+          </a:effectRef>
+          <a:fontRef idx="minor">
+            <a:schemeClr val="tx1"/>
+          </a:fontRef>
+        </p:style>
+      </p:cxnSp>
+      <p:cxnSp>
+        <p:nvCxnSpPr>
+          <p:cNvPr id="49" name="Straight Connector 48"/>
+          <p:cNvCxnSpPr>
+            <a:stCxn id="44" idx="3"/>
+          </p:cNvCxnSpPr>
+          <p:nvPr/>
+        </p:nvCxnSpPr>
+        <p:spPr>
+          <a:xfrm>
+            <a:off x="2336134" y="4196932"/>
+            <a:ext cx="51466" cy="211109"/>
+          </a:xfrm>
+          <a:prstGeom prst="line">
+            <a:avLst/>
+          </a:prstGeom>
+          <a:ln>
+            <a:prstDash val="dash"/>
+          </a:ln>
+        </p:spPr>
+        <p:style>
+          <a:lnRef idx="2">
+            <a:schemeClr val="accent1"/>
+          </a:lnRef>
+          <a:fillRef idx="0">
+            <a:schemeClr val="accent1"/>
+          </a:fillRef>
+          <a:effectRef idx="1">
+            <a:schemeClr val="accent1"/>
+          </a:effectRef>
+          <a:fontRef idx="minor">
+            <a:schemeClr val="tx1"/>
+          </a:fontRef>
+        </p:style>
+      </p:cxnSp>
+      <p:sp>
+        <p:nvSpPr>
+          <p:cNvPr id="51" name="TextBox 50"/>
+          <p:cNvSpPr txBox="1"/>
+          <p:nvPr/>
+        </p:nvSpPr>
+        <p:spPr>
+          <a:xfrm>
+            <a:off x="489618" y="289129"/>
+            <a:ext cx="8032583" cy="461665"/>
+          </a:xfrm>
+          <a:prstGeom prst="rect">
+            <a:avLst/>
+          </a:prstGeom>
+          <a:noFill/>
+        </p:spPr>
+        <p:txBody>
+          <a:bodyPr wrap="square" rtlCol="0">
+            <a:spAutoFit/>
+          </a:bodyPr>
+          <a:lstStyle/>
+          <a:p>
+            <a:r>
+              <a:rPr lang="en-US" sz="2400" b="1" dirty="0" smtClean="0"/>
+              <a:t>Proof Idea for Theorem: T’ &lt; T</a:t>
+            </a:r>
+            <a:r>
+              <a:rPr lang="en-US" sz="2400" b="1" baseline="-25000" dirty="0" smtClean="0"/>
+              <a:t>0</a:t>
+            </a:r>
+            <a:endParaRPr lang="en-US" sz="2400" baseline="-25000" dirty="0" smtClean="0"/>
+          </a:p>
+        </p:txBody>
+      </p:sp>
+    </p:spTree>
+    <p:extLst>
+      <p:ext uri="{BB962C8B-B14F-4D97-AF65-F5344CB8AC3E}">
+        <p14:creationId xmlns:p14="http://schemas.microsoft.com/office/powerpoint/2010/main" val="35979287"/>
+      </p:ext>
+    </p:extLst>
+  </p:cSld>
+  <p:clrMapOvr>
+    <a:masterClrMapping/>
+  </p:clrMapOvr>
+  <p:timing>
+    <p:tnLst>
+      <p:par>
+        <p:cTn xmlns:p14="http://schemas.microsoft.com/office/powerpoint/2010/main" id="1" dur="indefinite" restart="never" nodeType="tmRoot"/>
+      </p:par>
+    </p:tnLst>
+  </p:timing>
+</p:sld>
+</file>
+
 <file path=ppt/slides/slide2.xml><?xml version="1.0" encoding="utf-8"?>
 <p:sld xmlns:a="http://schemas.openxmlformats.org/drawingml/2006/main" xmlns:r="http://schemas.openxmlformats.org/officeDocument/2006/relationships" xmlns:p="http://schemas.openxmlformats.org/presentationml/2006/main">
   <p:cSld>
@@ -5626,19 +7135,7 @@
             </a:r>
             <a:r>
               <a:rPr lang="en-US" sz="2800" i="1" dirty="0" smtClean="0"/>
-              <a:t>(</a:t>
-            </a:r>
-            <a:r>
-              <a:rPr lang="en-US" sz="2800" i="1" dirty="0" smtClean="0"/>
-              <a:t>t</a:t>
-            </a:r>
-            <a:r>
-              <a:rPr lang="en-US" sz="2800" i="1" dirty="0" smtClean="0"/>
-              <a:t>’, -, -) </a:t>
-            </a:r>
-            <a:r>
-              <a:rPr lang="en-US" sz="2800" i="1" dirty="0" smtClean="0"/>
-              <a:t>messages with t’ &lt; </a:t>
+              <a:t>(t’, -, -) messages with t’ &lt; </a:t>
             </a:r>
             <a:r>
               <a:rPr lang="en-US" sz="2800" i="1" dirty="0" err="1" smtClean="0"/>
@@ -6052,15 +7549,7 @@
           <a:p>
             <a:r>
               <a:rPr lang="en-US" dirty="0" smtClean="0"/>
-              <a:t>propose(</a:t>
-            </a:r>
-            <a:r>
-              <a:rPr lang="en-US" dirty="0" smtClean="0"/>
-              <a:t>t=</a:t>
-            </a:r>
-            <a:r>
-              <a:rPr lang="en-US" dirty="0" smtClean="0"/>
-              <a:t>6, v)</a:t>
+              <a:t>propose(t=6, v)</a:t>
             </a:r>
             <a:endParaRPr lang="en-US" dirty="0"/>
           </a:p>
@@ -6713,15 +8202,7 @@
                   <a:srgbClr val="3366FF"/>
                 </a:solidFill>
               </a:rPr>
-              <a:t> is highest t received by acceptor A in prepare(t) or </a:t>
-            </a:r>
-            <a:r>
-              <a:rPr lang="en-US" sz="2400" b="1" dirty="0" smtClean="0">
-                <a:solidFill>
-                  <a:srgbClr val="3366FF"/>
-                </a:solidFill>
-              </a:rPr>
-              <a:t>propose(t,-,-)</a:t>
+              <a:t> is highest t received by acceptor A in prepare(t) or propose(t,-,-)</a:t>
             </a:r>
             <a:endParaRPr lang="en-US" sz="2400" b="1" dirty="0">
               <a:solidFill>
@@ -7001,11 +8482,7 @@
             </a:r>
             <a:r>
               <a:rPr lang="en-US" dirty="0" smtClean="0"/>
-              <a:t>repare</a:t>
-            </a:r>
-            <a:r>
-              <a:rPr lang="en-US" dirty="0" smtClean="0"/>
-              <a:t>(4)</a:t>
+              <a:t>repare(4)</a:t>
             </a:r>
             <a:endParaRPr lang="en-US" dirty="0"/>
           </a:p>
@@ -7104,11 +8581,7 @@
           <a:p>
             <a:r>
               <a:rPr lang="en-US" dirty="0" smtClean="0"/>
-              <a:t>prepare</a:t>
-            </a:r>
-            <a:r>
-              <a:rPr lang="en-US" dirty="0" smtClean="0"/>
-              <a:t>(6)</a:t>
+              <a:t>prepare(6)</a:t>
             </a:r>
             <a:endParaRPr lang="en-US" dirty="0"/>
           </a:p>
@@ -7175,11 +8648,7 @@
             </a:r>
             <a:r>
               <a:rPr lang="en-US" dirty="0" smtClean="0"/>
-              <a:t>repare</a:t>
-            </a:r>
-            <a:r>
-              <a:rPr lang="en-US" dirty="0" smtClean="0"/>
-              <a:t>(5)</a:t>
+              <a:t>repare(5)</a:t>
             </a:r>
             <a:endParaRPr lang="en-US" dirty="0"/>
           </a:p>
@@ -7246,11 +8715,7 @@
             </a:r>
             <a:r>
               <a:rPr lang="en-US" dirty="0" smtClean="0"/>
-              <a:t>repare</a:t>
-            </a:r>
-            <a:r>
-              <a:rPr lang="en-US" dirty="0" smtClean="0"/>
-              <a:t>(9)</a:t>
+              <a:t>repare(9)</a:t>
             </a:r>
             <a:endParaRPr lang="en-US" dirty="0"/>
           </a:p>
@@ -7817,15 +9282,7 @@
             </a:r>
             <a:r>
               <a:rPr lang="en-US" dirty="0" smtClean="0"/>
-              <a:t>romise</a:t>
-            </a:r>
-            <a:r>
-              <a:rPr lang="en-US" dirty="0" smtClean="0"/>
-              <a:t>(</a:t>
-            </a:r>
-            <a:r>
-              <a:rPr lang="en-US" dirty="0" smtClean="0"/>
-              <a:t>4, -, -)</a:t>
+              <a:t>romise(4, -, -)</a:t>
             </a:r>
             <a:endParaRPr lang="en-US" dirty="0"/>
           </a:p>
@@ -7859,15 +9316,7 @@
             </a:r>
             <a:r>
               <a:rPr lang="en-US" dirty="0" smtClean="0"/>
-              <a:t>romise</a:t>
-            </a:r>
-            <a:r>
-              <a:rPr lang="en-US" dirty="0" smtClean="0"/>
-              <a:t>(</a:t>
-            </a:r>
-            <a:r>
-              <a:rPr lang="en-US" dirty="0" smtClean="0"/>
-              <a:t>6, -. -)</a:t>
+              <a:t>romise(6, -. -)</a:t>
             </a:r>
             <a:endParaRPr lang="en-US" dirty="0"/>
           </a:p>
@@ -7901,15 +9350,7 @@
             </a:r>
             <a:r>
               <a:rPr lang="en-US" dirty="0" smtClean="0"/>
-              <a:t>romise</a:t>
-            </a:r>
-            <a:r>
-              <a:rPr lang="en-US" dirty="0" smtClean="0"/>
-              <a:t>(</a:t>
-            </a:r>
-            <a:r>
-              <a:rPr lang="en-US" dirty="0" smtClean="0"/>
-              <a:t>9,-,-)</a:t>
+              <a:t>romise(9,-,-)</a:t>
             </a:r>
             <a:endParaRPr lang="en-US" dirty="0"/>
           </a:p>
@@ -8217,11 +9658,7 @@
             </a:r>
             <a:r>
               <a:rPr lang="en-US" sz="2400" dirty="0" smtClean="0"/>
-              <a:t>) </a:t>
-            </a:r>
-            <a:r>
-              <a:rPr lang="en-US" sz="2400" dirty="0" smtClean="0"/>
-              <a:t>sent by an acceptor</a:t>
+              <a:t>) sent by an acceptor</a:t>
             </a:r>
           </a:p>
           <a:p>
@@ -8259,23 +9696,7 @@
                   <a:srgbClr val="000000"/>
                 </a:solidFill>
               </a:rPr>
-              <a:t>romise</a:t>
-            </a:r>
-            <a:r>
-              <a:rPr lang="en-US" sz="2400" b="1" dirty="0" smtClean="0">
-                <a:solidFill>
-                  <a:srgbClr val="000000"/>
-                </a:solidFill>
-              </a:rPr>
-              <a:t>(</a:t>
-            </a:r>
-            <a:r>
-              <a:rPr lang="en-US" sz="2400" b="1" dirty="0" smtClean="0">
-                <a:solidFill>
-                  <a:srgbClr val="000000"/>
-                </a:solidFill>
-              </a:rPr>
-              <a:t>6, -.-)</a:t>
+              <a:t>romise(6, -.-)</a:t>
             </a:r>
             <a:endParaRPr lang="en-US" sz="2400" b="1" dirty="0">
               <a:solidFill>
@@ -8914,15 +10335,47 @@
             </a:r>
             <a:r>
               <a:rPr lang="en-US" sz="2400" dirty="0" smtClean="0"/>
-              <a:t>f a majority of </a:t>
+              <a:t>f a majority of acceptors accepts (</a:t>
             </a:r>
             <a:r>
               <a:rPr lang="en-US" sz="2400" dirty="0" smtClean="0"/>
-              <a:t>acceptors accepts (T, </a:t>
-            </a:r>
-            <a:r>
-              <a:rPr lang="en-US" sz="2400" dirty="0"/>
-              <a:t>V</a:t>
+              <a:t>T</a:t>
+            </a:r>
+            <a:r>
+              <a:rPr lang="en-US" sz="2400" baseline="-25000" dirty="0" smtClean="0"/>
+              <a:t>0</a:t>
+            </a:r>
+            <a:r>
+              <a:rPr lang="en-US" sz="2400" dirty="0" smtClean="0"/>
+              <a:t>, V</a:t>
+            </a:r>
+            <a:r>
+              <a:rPr lang="en-US" sz="2400" baseline="-25000" dirty="0" smtClean="0"/>
+              <a:t>0</a:t>
+            </a:r>
+            <a:r>
+              <a:rPr lang="en-US" sz="2400" dirty="0" smtClean="0"/>
+              <a:t>)  </a:t>
+            </a:r>
+            <a:r>
+              <a:rPr lang="en-US" sz="2400" dirty="0" smtClean="0"/>
+              <a:t>and any acceptor accepts (</a:t>
+            </a:r>
+            <a:r>
+              <a:rPr lang="en-US" sz="2400" dirty="0" smtClean="0"/>
+              <a:t>T</a:t>
+            </a:r>
+            <a:r>
+              <a:rPr lang="en-US" sz="2400" baseline="-25000" dirty="0" smtClean="0"/>
+              <a:t>1</a:t>
+            </a:r>
+            <a:r>
+              <a:rPr lang="en-US" sz="2400" dirty="0" smtClean="0"/>
+              <a:t>, V</a:t>
+            </a:r>
+            <a:r>
+              <a:rPr lang="en-US" sz="2400" baseline="-25000" dirty="0" smtClean="0"/>
+              <a:t>1</a:t>
             </a:r>
             <a:r>
               <a:rPr lang="en-US" sz="2400" dirty="0" smtClean="0"/>
@@ -8930,8 +10383,57 @@
             </a:r>
             <a:r>
               <a:rPr lang="en-US" sz="2400" dirty="0" smtClean="0"/>
-              <a:t> and any acceptor accepts (T’, V’) where T’ &gt; T, then V’ = V</a:t>
-            </a:r>
+              <a:t>where </a:t>
+            </a:r>
+            <a:r>
+              <a:rPr lang="en-US" sz="2400" dirty="0" smtClean="0"/>
+              <a:t>T</a:t>
+            </a:r>
+            <a:r>
+              <a:rPr lang="en-US" sz="2400" baseline="-25000" dirty="0" smtClean="0"/>
+              <a:t>1</a:t>
+            </a:r>
+            <a:r>
+              <a:rPr lang="en-US" sz="2400" dirty="0" smtClean="0"/>
+              <a:t> &gt;= T</a:t>
+            </a:r>
+            <a:r>
+              <a:rPr lang="en-US" sz="2400" baseline="-25000" dirty="0" smtClean="0"/>
+              <a:t>0</a:t>
+            </a:r>
+            <a:r>
+              <a:rPr lang="en-US" sz="2400" dirty="0" smtClean="0"/>
+              <a:t>, </a:t>
+            </a:r>
+            <a:r>
+              <a:rPr lang="en-US" sz="2400" dirty="0" smtClean="0"/>
+              <a:t>then </a:t>
+            </a:r>
+            <a:r>
+              <a:rPr lang="en-US" sz="2400" dirty="0" smtClean="0"/>
+              <a:t>V</a:t>
+            </a:r>
+            <a:r>
+              <a:rPr lang="en-US" sz="2400" baseline="-25000" dirty="0" smtClean="0"/>
+              <a:t>1</a:t>
+            </a:r>
+            <a:r>
+              <a:rPr lang="en-US" sz="2400" dirty="0" smtClean="0"/>
+              <a:t> </a:t>
+            </a:r>
+            <a:r>
+              <a:rPr lang="en-US" sz="2400" dirty="0" smtClean="0"/>
+              <a:t>= </a:t>
+            </a:r>
+            <a:r>
+              <a:rPr lang="en-US" sz="2400" dirty="0" smtClean="0"/>
+              <a:t>V</a:t>
+            </a:r>
+            <a:r>
+              <a:rPr lang="en-US" sz="2400" baseline="-25000" dirty="0" smtClean="0"/>
+              <a:t>0</a:t>
+            </a:r>
+            <a:endParaRPr lang="en-US" sz="2400" baseline="-25000" dirty="0" smtClean="0"/>
           </a:p>
         </p:txBody>
       </p:sp>
@@ -9204,7 +10706,7 @@
         <p:spPr>
           <a:xfrm>
             <a:off x="2298890" y="4137035"/>
-            <a:ext cx="1888408" cy="461665"/>
+            <a:ext cx="2148395" cy="461665"/>
           </a:xfrm>
           <a:prstGeom prst="rect">
             <a:avLst/>
@@ -9231,7 +10733,7 @@
                   <a:srgbClr val="660066"/>
                 </a:solidFill>
               </a:rPr>
-              <a:t>ccepts (T, </a:t>
+              <a:t>ccepts (</a:t>
             </a:r>
             <a:r>
               <a:rPr lang="en-US" sz="2400" b="1" dirty="0" smtClean="0">
@@ -9239,7 +10741,39 @@
                   <a:srgbClr val="660066"/>
                 </a:solidFill>
               </a:rPr>
-              <a:t>V)</a:t>
+              <a:t>T</a:t>
+            </a:r>
+            <a:r>
+              <a:rPr lang="en-US" sz="2400" b="1" baseline="-25000" dirty="0" smtClean="0">
+                <a:solidFill>
+                  <a:srgbClr val="660066"/>
+                </a:solidFill>
+              </a:rPr>
+              <a:t>0</a:t>
+            </a:r>
+            <a:r>
+              <a:rPr lang="en-US" sz="2400" b="1" dirty="0" smtClean="0">
+                <a:solidFill>
+                  <a:srgbClr val="660066"/>
+                </a:solidFill>
+              </a:rPr>
+              <a:t>, V</a:t>
+            </a:r>
+            <a:r>
+              <a:rPr lang="en-US" sz="2400" b="1" baseline="-25000" dirty="0" smtClean="0">
+                <a:solidFill>
+                  <a:srgbClr val="660066"/>
+                </a:solidFill>
+              </a:rPr>
+              <a:t>0</a:t>
+            </a:r>
+            <a:r>
+              <a:rPr lang="en-US" sz="2400" b="1" dirty="0" smtClean="0">
+                <a:solidFill>
+                  <a:srgbClr val="660066"/>
+                </a:solidFill>
+              </a:rPr>
+              <a:t>)</a:t>
             </a:r>
             <a:endParaRPr lang="en-US" sz="2400" b="1" dirty="0">
               <a:solidFill>
@@ -9374,8 +10908,8 @@
         </p:nvSpPr>
         <p:spPr>
           <a:xfrm>
-            <a:off x="6997032" y="4100521"/>
-            <a:ext cx="1886662" cy="461665"/>
+            <a:off x="6406939" y="3952369"/>
+            <a:ext cx="2115262" cy="461665"/>
           </a:xfrm>
           <a:prstGeom prst="rect">
             <a:avLst/>
@@ -9389,20 +10923,28 @@
           <a:lstStyle/>
           <a:p>
             <a:r>
-              <a:rPr lang="en-US" sz="2400" b="1" dirty="0">
+              <a:rPr lang="en-US" sz="2400" b="1" dirty="0" smtClean="0">
                 <a:solidFill>
                   <a:srgbClr val="0000FF"/>
                 </a:solidFill>
               </a:rPr>
-              <a:t>a</a:t>
+              <a:t>accepts</a:t>
             </a:r>
             <a:r>
               <a:rPr lang="en-US" sz="2400" b="1" dirty="0" smtClean="0">
                 <a:solidFill>
-                  <a:srgbClr val="0000FF"/>
+                  <a:srgbClr val="660066"/>
                 </a:solidFill>
               </a:rPr>
-              <a:t>ccept</a:t>
+              <a:t>(T</a:t>
+            </a:r>
+            <a:r>
+              <a:rPr lang="en-US" sz="2400" b="1" baseline="-25000" dirty="0" smtClean="0">
+                <a:solidFill>
+                  <a:srgbClr val="660066"/>
+                </a:solidFill>
+              </a:rPr>
+              <a:t>1</a:t>
             </a:r>
             <a:r>
               <a:rPr lang="en-US" sz="2400" b="1" dirty="0" smtClean="0">
@@ -9410,31 +10952,15 @@
                   <a:srgbClr val="660066"/>
                 </a:solidFill>
               </a:rPr>
-              <a:t>(</a:t>
-            </a:r>
-            <a:r>
-              <a:rPr lang="en-US" sz="2400" b="1" dirty="0" smtClean="0">
+              <a:t>, V</a:t>
+            </a:r>
+            <a:r>
+              <a:rPr lang="en-US" sz="2400" b="1" baseline="-25000" dirty="0" smtClean="0">
                 <a:solidFill>
                   <a:srgbClr val="660066"/>
                 </a:solidFill>
               </a:rPr>
-              <a:t>T’</a:t>
-            </a:r>
-            <a:r>
-              <a:rPr lang="en-US" sz="2400" b="1" dirty="0" smtClean="0">
-                <a:solidFill>
-                  <a:srgbClr val="660066"/>
-                </a:solidFill>
-              </a:rPr>
-              <a:t>, </a:t>
-            </a:r>
-            <a:r>
-              <a:rPr lang="en-US" sz="2400" b="1" dirty="0" smtClean="0">
-                <a:solidFill>
-                  <a:srgbClr val="660066"/>
-                </a:solidFill>
-              </a:rPr>
-              <a:t>V’</a:t>
+              <a:t>1</a:t>
             </a:r>
             <a:r>
               <a:rPr lang="en-US" sz="2400" b="1" dirty="0" smtClean="0">
@@ -9485,13 +11011,15 @@
       <p:cxnSp>
         <p:nvCxnSpPr>
           <p:cNvPr id="45" name="Straight Arrow Connector 44"/>
-          <p:cNvCxnSpPr/>
+          <p:cNvCxnSpPr>
+            <a:stCxn id="40" idx="2"/>
+          </p:cNvCxnSpPr>
           <p:nvPr/>
         </p:nvCxnSpPr>
         <p:spPr>
           <a:xfrm flipH="1">
-            <a:off x="5751775" y="4562186"/>
-            <a:ext cx="2188588" cy="156868"/>
+            <a:off x="5751775" y="4414034"/>
+            <a:ext cx="1712795" cy="305020"/>
           </a:xfrm>
           <a:prstGeom prst="straightConnector1">
             <a:avLst/>
@@ -9935,7 +11463,39 @@
             </a:r>
             <a:r>
               <a:rPr lang="en-US" sz="2400" dirty="0" smtClean="0"/>
-              <a:t>roposer C sent propose(T’, V’) to the acceptor (1)</a:t>
+              <a:t>roposer C sent propose(</a:t>
+            </a:r>
+            <a:r>
+              <a:rPr lang="en-US" sz="2400" dirty="0" smtClean="0"/>
+              <a:t>T</a:t>
+            </a:r>
+            <a:r>
+              <a:rPr lang="en-US" sz="2400" baseline="-25000" dirty="0" smtClean="0"/>
+              <a:t>1</a:t>
+            </a:r>
+            <a:r>
+              <a:rPr lang="en-US" sz="2400" dirty="0" smtClean="0"/>
+              <a:t>, V</a:t>
+            </a:r>
+            <a:r>
+              <a:rPr lang="en-US" sz="2400" baseline="-25000" dirty="0" smtClean="0"/>
+              <a:t>1</a:t>
+            </a:r>
+            <a:r>
+              <a:rPr lang="en-US" sz="2400" dirty="0" smtClean="0"/>
+              <a:t>) </a:t>
+            </a:r>
+            <a:r>
+              <a:rPr lang="en-US" sz="2400" dirty="0" smtClean="0"/>
+              <a:t>to </a:t>
+            </a:r>
+            <a:r>
+              <a:rPr lang="en-US" sz="2400" dirty="0" smtClean="0"/>
+              <a:t>acceptor </a:t>
+            </a:r>
+            <a:r>
+              <a:rPr lang="en-US" sz="2400" dirty="0" smtClean="0"/>
+              <a:t>(1)</a:t>
             </a:r>
           </a:p>
           <a:p>
@@ -9945,20 +11505,36 @@
             </a:r>
             <a:r>
               <a:rPr lang="en-US" sz="2400" dirty="0" smtClean="0"/>
-              <a:t>roposer C received promise(T’, -, -) from a majority of acceptors</a:t>
-            </a:r>
-          </a:p>
-        </p:txBody>
-      </p:sp>
-      <p:cxnSp>
-        <p:nvCxnSpPr>
-          <p:cNvPr id="23" name="Straight Connector 22"/>
+              <a:t>roposer C received promise(</a:t>
+            </a:r>
+            <a:r>
+              <a:rPr lang="en-US" sz="2400" dirty="0" smtClean="0"/>
+              <a:t>T</a:t>
+            </a:r>
+            <a:r>
+              <a:rPr lang="en-US" sz="2400" baseline="-25000" dirty="0" smtClean="0"/>
+              <a:t>1</a:t>
+            </a:r>
+            <a:r>
+              <a:rPr lang="en-US" sz="2400" dirty="0" smtClean="0"/>
+              <a:t>, </a:t>
+            </a:r>
+            <a:r>
+              <a:rPr lang="en-US" sz="2400" dirty="0" smtClean="0"/>
+              <a:t>-, -) from a majority of acceptors</a:t>
+            </a:r>
+          </a:p>
+        </p:txBody>
+      </p:sp>
+      <p:cxnSp>
+        <p:nvCxnSpPr>
+          <p:cNvPr id="31" name="Straight Connector 30"/>
           <p:cNvCxnSpPr/>
           <p:nvPr/>
         </p:nvCxnSpPr>
         <p:spPr>
           <a:xfrm>
-            <a:off x="5743752" y="4562186"/>
+            <a:off x="5921552" y="4562186"/>
             <a:ext cx="0" cy="318838"/>
           </a:xfrm>
           <a:prstGeom prst="line">
@@ -9980,16 +11556,46 @@
           </a:fontRef>
         </p:style>
       </p:cxnSp>
-      <p:sp>
-        <p:nvSpPr>
-          <p:cNvPr id="25" name="TextBox 24"/>
+      <p:cxnSp>
+        <p:nvCxnSpPr>
+          <p:cNvPr id="33" name="Straight Connector 32"/>
+          <p:cNvCxnSpPr/>
+          <p:nvPr/>
+        </p:nvCxnSpPr>
+        <p:spPr>
+          <a:xfrm>
+            <a:off x="5287531" y="3746226"/>
+            <a:ext cx="0" cy="318838"/>
+          </a:xfrm>
+          <a:prstGeom prst="line">
+            <a:avLst/>
+          </a:prstGeom>
+        </p:spPr>
+        <p:style>
+          <a:lnRef idx="2">
+            <a:schemeClr val="accent1"/>
+          </a:lnRef>
+          <a:fillRef idx="0">
+            <a:schemeClr val="accent1"/>
+          </a:fillRef>
+          <a:effectRef idx="1">
+            <a:schemeClr val="accent1"/>
+          </a:effectRef>
+          <a:fontRef idx="minor">
+            <a:schemeClr val="tx1"/>
+          </a:fontRef>
+        </p:style>
+      </p:cxnSp>
+      <p:sp>
+        <p:nvSpPr>
+          <p:cNvPr id="34" name="TextBox 33"/>
           <p:cNvSpPr txBox="1"/>
           <p:nvPr/>
         </p:nvSpPr>
         <p:spPr>
           <a:xfrm>
-            <a:off x="6997032" y="4100521"/>
-            <a:ext cx="1886662" cy="461665"/>
+            <a:off x="5287531" y="3347316"/>
+            <a:ext cx="2205469" cy="461665"/>
           </a:xfrm>
           <a:prstGeom prst="rect">
             <a:avLst/>
@@ -10005,18 +11611,18 @@
             <a:r>
               <a:rPr lang="en-US" sz="2400" b="1" dirty="0">
                 <a:solidFill>
-                  <a:srgbClr val="0000FF"/>
+                  <a:srgbClr val="660066"/>
                 </a:solidFill>
               </a:rPr>
-              <a:t>a</a:t>
+              <a:t>p</a:t>
             </a:r>
             <a:r>
               <a:rPr lang="en-US" sz="2400" b="1" dirty="0" smtClean="0">
                 <a:solidFill>
-                  <a:srgbClr val="0000FF"/>
+                  <a:srgbClr val="660066"/>
                 </a:solidFill>
               </a:rPr>
-              <a:t>ccept</a:t>
+              <a:t>ropose(</a:t>
             </a:r>
             <a:r>
               <a:rPr lang="en-US" sz="2400" b="1" dirty="0" smtClean="0">
@@ -10024,7 +11630,15 @@
                   <a:srgbClr val="660066"/>
                 </a:solidFill>
               </a:rPr>
-              <a:t>(</a:t>
+              <a:t>T</a:t>
+            </a:r>
+            <a:r>
+              <a:rPr lang="en-US" sz="2400" b="1" baseline="-25000" dirty="0" smtClean="0">
+                <a:solidFill>
+                  <a:srgbClr val="660066"/>
+                </a:solidFill>
+              </a:rPr>
+              <a:t>1</a:t>
             </a:r>
             <a:r>
               <a:rPr lang="en-US" sz="2400" b="1" dirty="0" smtClean="0">
@@ -10032,23 +11646,15 @@
                   <a:srgbClr val="660066"/>
                 </a:solidFill>
               </a:rPr>
-              <a:t>T’</a:t>
-            </a:r>
-            <a:r>
-              <a:rPr lang="en-US" sz="2400" b="1" dirty="0" smtClean="0">
+              <a:t>, V</a:t>
+            </a:r>
+            <a:r>
+              <a:rPr lang="en-US" sz="2400" b="1" baseline="-25000" dirty="0" smtClean="0">
                 <a:solidFill>
                   <a:srgbClr val="660066"/>
                 </a:solidFill>
               </a:rPr>
-              <a:t>, </a:t>
-            </a:r>
-            <a:r>
-              <a:rPr lang="en-US" sz="2400" b="1" dirty="0" smtClean="0">
-                <a:solidFill>
-                  <a:srgbClr val="660066"/>
-                </a:solidFill>
-              </a:rPr>
-              <a:t>V’</a:t>
+              <a:t>1</a:t>
             </a:r>
             <a:r>
               <a:rPr lang="en-US" sz="2400" b="1" dirty="0" smtClean="0">
@@ -10068,22 +11674,19 @@
       </p:sp>
       <p:cxnSp>
         <p:nvCxnSpPr>
-          <p:cNvPr id="26" name="Straight Arrow Connector 25"/>
-          <p:cNvCxnSpPr>
-            <a:stCxn id="25" idx="2"/>
-          </p:cNvCxnSpPr>
-          <p:nvPr/>
-        </p:nvCxnSpPr>
-        <p:spPr>
-          <a:xfrm flipH="1">
-            <a:off x="5751775" y="4562186"/>
-            <a:ext cx="2188588" cy="156868"/>
+          <p:cNvPr id="35" name="Straight Arrow Connector 34"/>
+          <p:cNvCxnSpPr/>
+          <p:nvPr/>
+        </p:nvCxnSpPr>
+        <p:spPr>
+          <a:xfrm>
+            <a:off x="5487379" y="3900669"/>
+            <a:ext cx="256373" cy="948022"/>
           </a:xfrm>
           <a:prstGeom prst="straightConnector1">
             <a:avLst/>
           </a:prstGeom>
           <a:ln>
-            <a:prstDash val="dash"/>
             <a:tailEnd type="arrow"/>
           </a:ln>
         </p:spPr>
@@ -10104,37 +11707,7 @@
       </p:cxnSp>
       <p:cxnSp>
         <p:nvCxnSpPr>
-          <p:cNvPr id="31" name="Straight Connector 30"/>
-          <p:cNvCxnSpPr/>
-          <p:nvPr/>
-        </p:nvCxnSpPr>
-        <p:spPr>
-          <a:xfrm>
-            <a:off x="5743752" y="4562186"/>
-            <a:ext cx="0" cy="318838"/>
-          </a:xfrm>
-          <a:prstGeom prst="line">
-            <a:avLst/>
-          </a:prstGeom>
-        </p:spPr>
-        <p:style>
-          <a:lnRef idx="2">
-            <a:schemeClr val="accent1"/>
-          </a:lnRef>
-          <a:fillRef idx="0">
-            <a:schemeClr val="accent1"/>
-          </a:fillRef>
-          <a:effectRef idx="1">
-            <a:schemeClr val="accent1"/>
-          </a:effectRef>
-          <a:fontRef idx="minor">
-            <a:schemeClr val="tx1"/>
-          </a:fontRef>
-        </p:style>
-      </p:cxnSp>
-      <p:cxnSp>
-        <p:nvCxnSpPr>
-          <p:cNvPr id="33" name="Straight Connector 32"/>
+          <p:cNvPr id="32" name="Straight Connector 31"/>
           <p:cNvCxnSpPr/>
           <p:nvPr/>
         </p:nvCxnSpPr>
@@ -10162,16 +11735,115 @@
           </a:fontRef>
         </p:style>
       </p:cxnSp>
-      <p:sp>
-        <p:nvSpPr>
-          <p:cNvPr id="34" name="TextBox 33"/>
+      <p:cxnSp>
+        <p:nvCxnSpPr>
+          <p:cNvPr id="36" name="Straight Arrow Connector 35"/>
+          <p:cNvCxnSpPr/>
+          <p:nvPr/>
+        </p:nvCxnSpPr>
+        <p:spPr>
+          <a:xfrm flipV="1">
+            <a:off x="4518526" y="3854295"/>
+            <a:ext cx="401053" cy="980396"/>
+          </a:xfrm>
+          <a:prstGeom prst="straightConnector1">
+            <a:avLst/>
+          </a:prstGeom>
+          <a:ln>
+            <a:tailEnd type="arrow"/>
+          </a:ln>
+        </p:spPr>
+        <p:style>
+          <a:lnRef idx="2">
+            <a:schemeClr val="accent1"/>
+          </a:lnRef>
+          <a:fillRef idx="0">
+            <a:schemeClr val="accent1"/>
+          </a:fillRef>
+          <a:effectRef idx="1">
+            <a:schemeClr val="accent1"/>
+          </a:effectRef>
+          <a:fontRef idx="minor">
+            <a:schemeClr val="tx1"/>
+          </a:fontRef>
+        </p:style>
+      </p:cxnSp>
+      <p:cxnSp>
+        <p:nvCxnSpPr>
+          <p:cNvPr id="37" name="Straight Arrow Connector 36"/>
+          <p:cNvCxnSpPr/>
+          <p:nvPr/>
+        </p:nvCxnSpPr>
+        <p:spPr>
+          <a:xfrm flipV="1">
+            <a:off x="4251158" y="3833926"/>
+            <a:ext cx="454526" cy="1273481"/>
+          </a:xfrm>
+          <a:prstGeom prst="straightConnector1">
+            <a:avLst/>
+          </a:prstGeom>
+          <a:ln>
+            <a:tailEnd type="arrow"/>
+          </a:ln>
+        </p:spPr>
+        <p:style>
+          <a:lnRef idx="2">
+            <a:schemeClr val="accent1"/>
+          </a:lnRef>
+          <a:fillRef idx="0">
+            <a:schemeClr val="accent1"/>
+          </a:fillRef>
+          <a:effectRef idx="1">
+            <a:schemeClr val="accent1"/>
+          </a:effectRef>
+          <a:fontRef idx="minor">
+            <a:schemeClr val="tx1"/>
+          </a:fontRef>
+        </p:style>
+      </p:cxnSp>
+      <p:cxnSp>
+        <p:nvCxnSpPr>
+          <p:cNvPr id="40" name="Straight Arrow Connector 39"/>
+          <p:cNvCxnSpPr/>
+          <p:nvPr/>
+        </p:nvCxnSpPr>
+        <p:spPr>
+          <a:xfrm flipV="1">
+            <a:off x="3814329" y="3854295"/>
+            <a:ext cx="704197" cy="1485722"/>
+          </a:xfrm>
+          <a:prstGeom prst="straightConnector1">
+            <a:avLst/>
+          </a:prstGeom>
+          <a:ln>
+            <a:tailEnd type="arrow"/>
+          </a:ln>
+        </p:spPr>
+        <p:style>
+          <a:lnRef idx="2">
+            <a:schemeClr val="accent1"/>
+          </a:lnRef>
+          <a:fillRef idx="0">
+            <a:schemeClr val="accent1"/>
+          </a:fillRef>
+          <a:effectRef idx="1">
+            <a:schemeClr val="accent1"/>
+          </a:effectRef>
+          <a:fontRef idx="minor">
+            <a:schemeClr val="tx1"/>
+          </a:fontRef>
+        </p:style>
+      </p:cxnSp>
+      <p:sp>
+        <p:nvSpPr>
+          <p:cNvPr id="41" name="TextBox 40"/>
           <p:cNvSpPr txBox="1"/>
           <p:nvPr/>
         </p:nvSpPr>
         <p:spPr>
           <a:xfrm>
-            <a:off x="5287531" y="3347316"/>
-            <a:ext cx="2205469" cy="461665"/>
+            <a:off x="2500819" y="3347316"/>
+            <a:ext cx="2619286" cy="461665"/>
           </a:xfrm>
           <a:prstGeom prst="rect">
             <a:avLst/>
@@ -10198,223 +11870,23 @@
                   <a:srgbClr val="660066"/>
                 </a:solidFill>
               </a:rPr>
-              <a:t>ropose(T’, V’)</a:t>
-            </a:r>
-            <a:endParaRPr lang="en-US" sz="2400" b="1" dirty="0">
-              <a:solidFill>
-                <a:srgbClr val="660066"/>
-              </a:solidFill>
-            </a:endParaRPr>
-          </a:p>
-        </p:txBody>
-      </p:sp>
-      <p:cxnSp>
-        <p:nvCxnSpPr>
-          <p:cNvPr id="35" name="Straight Arrow Connector 34"/>
-          <p:cNvCxnSpPr/>
-          <p:nvPr/>
-        </p:nvCxnSpPr>
-        <p:spPr>
-          <a:xfrm>
-            <a:off x="5287531" y="3854295"/>
-            <a:ext cx="456221" cy="1026729"/>
-          </a:xfrm>
-          <a:prstGeom prst="straightConnector1">
-            <a:avLst/>
-          </a:prstGeom>
-          <a:ln>
-            <a:tailEnd type="arrow"/>
-          </a:ln>
-        </p:spPr>
-        <p:style>
-          <a:lnRef idx="2">
-            <a:schemeClr val="accent1"/>
-          </a:lnRef>
-          <a:fillRef idx="0">
-            <a:schemeClr val="accent1"/>
-          </a:fillRef>
-          <a:effectRef idx="1">
-            <a:schemeClr val="accent1"/>
-          </a:effectRef>
-          <a:fontRef idx="minor">
-            <a:schemeClr val="tx1"/>
-          </a:fontRef>
-        </p:style>
-      </p:cxnSp>
-      <p:cxnSp>
-        <p:nvCxnSpPr>
-          <p:cNvPr id="32" name="Straight Connector 31"/>
-          <p:cNvCxnSpPr/>
-          <p:nvPr/>
-        </p:nvCxnSpPr>
-        <p:spPr>
-          <a:xfrm>
-            <a:off x="5287531" y="3746226"/>
-            <a:ext cx="0" cy="318838"/>
-          </a:xfrm>
-          <a:prstGeom prst="line">
-            <a:avLst/>
-          </a:prstGeom>
-        </p:spPr>
-        <p:style>
-          <a:lnRef idx="2">
-            <a:schemeClr val="accent1"/>
-          </a:lnRef>
-          <a:fillRef idx="0">
-            <a:schemeClr val="accent1"/>
-          </a:fillRef>
-          <a:effectRef idx="1">
-            <a:schemeClr val="accent1"/>
-          </a:effectRef>
-          <a:fontRef idx="minor">
-            <a:schemeClr val="tx1"/>
-          </a:fontRef>
-        </p:style>
-      </p:cxnSp>
-      <p:cxnSp>
-        <p:nvCxnSpPr>
-          <p:cNvPr id="36" name="Straight Arrow Connector 35"/>
-          <p:cNvCxnSpPr/>
-          <p:nvPr/>
-        </p:nvCxnSpPr>
-        <p:spPr>
-          <a:xfrm flipV="1">
-            <a:off x="4518526" y="3854295"/>
-            <a:ext cx="401053" cy="980396"/>
-          </a:xfrm>
-          <a:prstGeom prst="straightConnector1">
-            <a:avLst/>
-          </a:prstGeom>
-          <a:ln>
-            <a:tailEnd type="arrow"/>
-          </a:ln>
-        </p:spPr>
-        <p:style>
-          <a:lnRef idx="2">
-            <a:schemeClr val="accent1"/>
-          </a:lnRef>
-          <a:fillRef idx="0">
-            <a:schemeClr val="accent1"/>
-          </a:fillRef>
-          <a:effectRef idx="1">
-            <a:schemeClr val="accent1"/>
-          </a:effectRef>
-          <a:fontRef idx="minor">
-            <a:schemeClr val="tx1"/>
-          </a:fontRef>
-        </p:style>
-      </p:cxnSp>
-      <p:cxnSp>
-        <p:nvCxnSpPr>
-          <p:cNvPr id="37" name="Straight Arrow Connector 36"/>
-          <p:cNvCxnSpPr/>
-          <p:nvPr/>
-        </p:nvCxnSpPr>
-        <p:spPr>
-          <a:xfrm flipV="1">
-            <a:off x="4251158" y="3833926"/>
-            <a:ext cx="454526" cy="1273481"/>
-          </a:xfrm>
-          <a:prstGeom prst="straightConnector1">
-            <a:avLst/>
-          </a:prstGeom>
-          <a:ln>
-            <a:tailEnd type="arrow"/>
-          </a:ln>
-        </p:spPr>
-        <p:style>
-          <a:lnRef idx="2">
-            <a:schemeClr val="accent1"/>
-          </a:lnRef>
-          <a:fillRef idx="0">
-            <a:schemeClr val="accent1"/>
-          </a:fillRef>
-          <a:effectRef idx="1">
-            <a:schemeClr val="accent1"/>
-          </a:effectRef>
-          <a:fontRef idx="minor">
-            <a:schemeClr val="tx1"/>
-          </a:fontRef>
-        </p:style>
-      </p:cxnSp>
-      <p:cxnSp>
-        <p:nvCxnSpPr>
-          <p:cNvPr id="40" name="Straight Arrow Connector 39"/>
-          <p:cNvCxnSpPr/>
-          <p:nvPr/>
-        </p:nvCxnSpPr>
-        <p:spPr>
-          <a:xfrm flipV="1">
-            <a:off x="3814329" y="3854295"/>
-            <a:ext cx="704197" cy="1485722"/>
-          </a:xfrm>
-          <a:prstGeom prst="straightConnector1">
-            <a:avLst/>
-          </a:prstGeom>
-          <a:ln>
-            <a:tailEnd type="arrow"/>
-          </a:ln>
-        </p:spPr>
-        <p:style>
-          <a:lnRef idx="2">
-            <a:schemeClr val="accent1"/>
-          </a:lnRef>
-          <a:fillRef idx="0">
-            <a:schemeClr val="accent1"/>
-          </a:fillRef>
-          <a:effectRef idx="1">
-            <a:schemeClr val="accent1"/>
-          </a:effectRef>
-          <a:fontRef idx="minor">
-            <a:schemeClr val="tx1"/>
-          </a:fontRef>
-        </p:style>
-      </p:cxnSp>
-      <p:sp>
-        <p:nvSpPr>
-          <p:cNvPr id="41" name="TextBox 40"/>
-          <p:cNvSpPr txBox="1"/>
-          <p:nvPr/>
-        </p:nvSpPr>
-        <p:spPr>
-          <a:xfrm>
-            <a:off x="2500819" y="3347316"/>
-            <a:ext cx="2619286" cy="461665"/>
-          </a:xfrm>
-          <a:prstGeom prst="rect">
-            <a:avLst/>
-          </a:prstGeom>
-          <a:noFill/>
-        </p:spPr>
-        <p:txBody>
-          <a:bodyPr wrap="square" rtlCol="0">
-            <a:spAutoFit/>
-          </a:bodyPr>
-          <a:lstStyle/>
-          <a:p>
-            <a:r>
-              <a:rPr lang="en-US" sz="2400" b="1" dirty="0">
+              <a:t>romise(</a:t>
+            </a:r>
+            <a:r>
+              <a:rPr lang="en-US" sz="2400" b="1" dirty="0" smtClean="0">
                 <a:solidFill>
                   <a:srgbClr val="660066"/>
                 </a:solidFill>
               </a:rPr>
-              <a:t>p</a:t>
-            </a:r>
-            <a:r>
-              <a:rPr lang="en-US" sz="2400" b="1" dirty="0" smtClean="0">
+              <a:t>T</a:t>
+            </a:r>
+            <a:r>
+              <a:rPr lang="en-US" sz="2400" b="1" baseline="-25000" dirty="0" smtClean="0">
                 <a:solidFill>
                   <a:srgbClr val="660066"/>
                 </a:solidFill>
               </a:rPr>
-              <a:t>romise(</a:t>
-            </a:r>
-            <a:r>
-              <a:rPr lang="en-US" sz="2400" b="1" dirty="0" smtClean="0">
-                <a:solidFill>
-                  <a:srgbClr val="660066"/>
-                </a:solidFill>
-              </a:rPr>
-              <a:t>T’</a:t>
+              <a:t>1</a:t>
             </a:r>
             <a:r>
               <a:rPr lang="en-US" sz="2400" b="1" dirty="0" smtClean="0">
@@ -10645,13 +12117,15 @@
       <p:cxnSp>
         <p:nvCxnSpPr>
           <p:cNvPr id="47" name="Straight Arrow Connector 46"/>
-          <p:cNvCxnSpPr/>
+          <p:cNvCxnSpPr>
+            <a:stCxn id="55" idx="2"/>
+          </p:cNvCxnSpPr>
           <p:nvPr/>
         </p:nvCxnSpPr>
         <p:spPr>
           <a:xfrm flipH="1">
-            <a:off x="988594" y="4515093"/>
-            <a:ext cx="852906" cy="1056537"/>
+            <a:off x="988594" y="4493426"/>
+            <a:ext cx="852906" cy="1078204"/>
           </a:xfrm>
           <a:prstGeom prst="straightConnector1">
             <a:avLst/>
@@ -10911,14 +12385,126 @@
       </p:sp>
       <p:sp>
         <p:nvSpPr>
-          <p:cNvPr id="54" name="TextBox 53"/>
+          <p:cNvPr id="38" name="TextBox 37"/>
           <p:cNvSpPr txBox="1"/>
           <p:nvPr/>
         </p:nvSpPr>
         <p:spPr>
           <a:xfrm>
-            <a:off x="1152735" y="4053428"/>
-            <a:ext cx="1888408" cy="461665"/>
+            <a:off x="6406939" y="3952369"/>
+            <a:ext cx="2115262" cy="461665"/>
+          </a:xfrm>
+          <a:prstGeom prst="rect">
+            <a:avLst/>
+          </a:prstGeom>
+          <a:noFill/>
+        </p:spPr>
+        <p:txBody>
+          <a:bodyPr wrap="square" rtlCol="0">
+            <a:spAutoFit/>
+          </a:bodyPr>
+          <a:lstStyle/>
+          <a:p>
+            <a:r>
+              <a:rPr lang="en-US" sz="2400" b="1" dirty="0" smtClean="0">
+                <a:solidFill>
+                  <a:srgbClr val="0000FF"/>
+                </a:solidFill>
+              </a:rPr>
+              <a:t>accepts</a:t>
+            </a:r>
+            <a:r>
+              <a:rPr lang="en-US" sz="2400" b="1" dirty="0" smtClean="0">
+                <a:solidFill>
+                  <a:srgbClr val="660066"/>
+                </a:solidFill>
+              </a:rPr>
+              <a:t>(T</a:t>
+            </a:r>
+            <a:r>
+              <a:rPr lang="en-US" sz="2400" b="1" baseline="-25000" dirty="0" smtClean="0">
+                <a:solidFill>
+                  <a:srgbClr val="660066"/>
+                </a:solidFill>
+              </a:rPr>
+              <a:t>1</a:t>
+            </a:r>
+            <a:r>
+              <a:rPr lang="en-US" sz="2400" b="1" dirty="0" smtClean="0">
+                <a:solidFill>
+                  <a:srgbClr val="660066"/>
+                </a:solidFill>
+              </a:rPr>
+              <a:t>, V</a:t>
+            </a:r>
+            <a:r>
+              <a:rPr lang="en-US" sz="2400" b="1" baseline="-25000" dirty="0" smtClean="0">
+                <a:solidFill>
+                  <a:srgbClr val="660066"/>
+                </a:solidFill>
+              </a:rPr>
+              <a:t>1</a:t>
+            </a:r>
+            <a:r>
+              <a:rPr lang="en-US" sz="2400" b="1" dirty="0" smtClean="0">
+                <a:solidFill>
+                  <a:srgbClr val="660066"/>
+                </a:solidFill>
+              </a:rPr>
+              <a:t>)</a:t>
+            </a:r>
+            <a:endParaRPr lang="en-US" sz="2400" b="1" dirty="0">
+              <a:solidFill>
+                <a:srgbClr val="660066"/>
+              </a:solidFill>
+            </a:endParaRPr>
+          </a:p>
+        </p:txBody>
+      </p:sp>
+      <p:cxnSp>
+        <p:nvCxnSpPr>
+          <p:cNvPr id="39" name="Straight Arrow Connector 38"/>
+          <p:cNvCxnSpPr/>
+          <p:nvPr/>
+        </p:nvCxnSpPr>
+        <p:spPr>
+          <a:xfrm flipH="1">
+            <a:off x="5943600" y="4414034"/>
+            <a:ext cx="1520971" cy="420657"/>
+          </a:xfrm>
+          <a:prstGeom prst="straightConnector1">
+            <a:avLst/>
+          </a:prstGeom>
+          <a:ln>
+            <a:prstDash val="dash"/>
+            <a:tailEnd type="arrow"/>
+          </a:ln>
+        </p:spPr>
+        <p:style>
+          <a:lnRef idx="2">
+            <a:schemeClr val="accent1"/>
+          </a:lnRef>
+          <a:fillRef idx="0">
+            <a:schemeClr val="accent1"/>
+          </a:fillRef>
+          <a:effectRef idx="1">
+            <a:schemeClr val="accent1"/>
+          </a:effectRef>
+          <a:fontRef idx="minor">
+            <a:schemeClr val="tx1"/>
+          </a:fontRef>
+        </p:style>
+      </p:cxnSp>
+      <p:sp>
+        <p:nvSpPr>
+          <p:cNvPr id="55" name="TextBox 54"/>
+          <p:cNvSpPr txBox="1"/>
+          <p:nvPr/>
+        </p:nvSpPr>
+        <p:spPr>
+          <a:xfrm>
+            <a:off x="767302" y="4031761"/>
+            <a:ext cx="2148395" cy="461665"/>
           </a:xfrm>
           <a:prstGeom prst="rect">
             <a:avLst/>
@@ -10945,7 +12531,7 @@
                   <a:srgbClr val="660066"/>
                 </a:solidFill>
               </a:rPr>
-              <a:t>ccepts (T, </a:t>
+              <a:t>ccepts (</a:t>
             </a:r>
             <a:r>
               <a:rPr lang="en-US" sz="2400" b="1" dirty="0" smtClean="0">
@@ -10953,7 +12539,39 @@
                   <a:srgbClr val="660066"/>
                 </a:solidFill>
               </a:rPr>
-              <a:t>V)</a:t>
+              <a:t>T</a:t>
+            </a:r>
+            <a:r>
+              <a:rPr lang="en-US" sz="2400" b="1" baseline="-25000" dirty="0" smtClean="0">
+                <a:solidFill>
+                  <a:srgbClr val="660066"/>
+                </a:solidFill>
+              </a:rPr>
+              <a:t>0</a:t>
+            </a:r>
+            <a:r>
+              <a:rPr lang="en-US" sz="2400" b="1" dirty="0" smtClean="0">
+                <a:solidFill>
+                  <a:srgbClr val="660066"/>
+                </a:solidFill>
+              </a:rPr>
+              <a:t>, V</a:t>
+            </a:r>
+            <a:r>
+              <a:rPr lang="en-US" sz="2400" b="1" baseline="-25000" dirty="0" smtClean="0">
+                <a:solidFill>
+                  <a:srgbClr val="660066"/>
+                </a:solidFill>
+              </a:rPr>
+              <a:t>0</a:t>
+            </a:r>
+            <a:r>
+              <a:rPr lang="en-US" sz="2400" b="1" dirty="0" smtClean="0">
+                <a:solidFill>
+                  <a:srgbClr val="660066"/>
+                </a:solidFill>
+              </a:rPr>
+              <a:t>)</a:t>
             </a:r>
             <a:endParaRPr lang="en-US" sz="2400" b="1" dirty="0">
               <a:solidFill>
@@ -11293,11 +12911,7 @@
           <a:p>
             <a:r>
               <a:rPr lang="en-US" sz="2800" dirty="0" smtClean="0"/>
-              <a:t>propose(</a:t>
-            </a:r>
-            <a:r>
-              <a:rPr lang="en-US" sz="2800" dirty="0" smtClean="0"/>
-              <a:t>10, -)</a:t>
+              <a:t>propose(10, -)</a:t>
             </a:r>
             <a:endParaRPr lang="en-US" sz="2800" dirty="0"/>
           </a:p>
@@ -11364,11 +12978,7 @@
             </a:r>
             <a:r>
               <a:rPr lang="en-US" sz="2800" dirty="0" smtClean="0"/>
-              <a:t>ccepts(</a:t>
-            </a:r>
-            <a:r>
-              <a:rPr lang="en-US" sz="2800" dirty="0" smtClean="0"/>
-              <a:t>10, -)</a:t>
+              <a:t>ccepts(10, -)</a:t>
             </a:r>
             <a:endParaRPr lang="en-US" sz="2800" dirty="0"/>
           </a:p>
@@ -11484,11 +13094,7 @@
             </a:r>
             <a:r>
               <a:rPr lang="en-US" sz="2400" dirty="0" smtClean="0"/>
-              <a:t> = </a:t>
-            </a:r>
-            <a:r>
-              <a:rPr lang="en-US" sz="2400" dirty="0" smtClean="0"/>
-              <a:t>10</a:t>
+              <a:t> = 10</a:t>
             </a:r>
             <a:endParaRPr lang="en-US" sz="2400" dirty="0"/>
           </a:p>
@@ -11558,11 +13164,7 @@
             </a:r>
             <a:r>
               <a:rPr lang="en-US" sz="2400" dirty="0" smtClean="0"/>
-              <a:t> = </a:t>
-            </a:r>
-            <a:r>
-              <a:rPr lang="en-US" sz="2400" dirty="0" smtClean="0"/>
-              <a:t>10</a:t>
+              <a:t> = 10</a:t>
             </a:r>
             <a:endParaRPr lang="en-US" sz="2400" dirty="0"/>
           </a:p>
@@ -11600,11 +13202,7 @@
             </a:r>
             <a:r>
               <a:rPr lang="en-US" sz="2400" dirty="0" smtClean="0"/>
-              <a:t> = </a:t>
-            </a:r>
-            <a:r>
-              <a:rPr lang="en-US" sz="2400" dirty="0" smtClean="0"/>
-              <a:t>10</a:t>
+              <a:t> = 10</a:t>
             </a:r>
             <a:endParaRPr lang="en-US" sz="2400" dirty="0"/>
           </a:p>
@@ -11638,11 +13236,7 @@
             </a:r>
             <a:r>
               <a:rPr lang="en-US" sz="2400" dirty="0" smtClean="0"/>
-              <a:t> = </a:t>
-            </a:r>
-            <a:r>
-              <a:rPr lang="en-US" sz="2400" dirty="0" smtClean="0"/>
-              <a:t>10</a:t>
+              <a:t> = 10</a:t>
             </a:r>
             <a:endParaRPr lang="en-US" sz="2400" dirty="0"/>
           </a:p>
@@ -12120,15 +13714,7 @@
                   <a:srgbClr val="000000"/>
                 </a:solidFill>
               </a:rPr>
-              <a:t>Example: </a:t>
-            </a:r>
-            <a:r>
-              <a:rPr lang="en-US" sz="3200" b="1" dirty="0" smtClean="0">
-                <a:solidFill>
-                  <a:srgbClr val="000000"/>
-                </a:solidFill>
-              </a:rPr>
-              <a:t>Steps of Proposer and Acceptor</a:t>
+              <a:t>Example: Steps of Proposer and Acceptor</a:t>
             </a:r>
             <a:endParaRPr lang="en-US" sz="3200" b="1" dirty="0">
               <a:solidFill>
@@ -12302,11 +13888,7 @@
             </a:r>
             <a:r>
               <a:rPr lang="en-US" sz="2800" dirty="0" smtClean="0"/>
-              <a:t>ropose(</a:t>
-            </a:r>
-            <a:r>
-              <a:rPr lang="en-US" sz="2800" dirty="0" smtClean="0"/>
-              <a:t>1</a:t>
+              <a:t>ropose(1</a:t>
             </a:r>
             <a:r>
               <a:rPr lang="en-US" sz="2800" dirty="0"/>
@@ -12387,11 +13969,7 @@
             </a:r>
             <a:r>
               <a:rPr lang="en-US" sz="2800" dirty="0" smtClean="0"/>
-              <a:t>ccepts(</a:t>
-            </a:r>
-            <a:r>
-              <a:rPr lang="en-US" sz="2800" dirty="0" smtClean="0"/>
-              <a:t>11, -)</a:t>
+              <a:t>ccepts(11, -)</a:t>
             </a:r>
             <a:endParaRPr lang="en-US" sz="2800" dirty="0"/>
           </a:p>
@@ -12401,6 +13979,2334 @@
     <p:extLst>
       <p:ext uri="{BB962C8B-B14F-4D97-AF65-F5344CB8AC3E}">
         <p14:creationId xmlns:p14="http://schemas.microsoft.com/office/powerpoint/2010/main" val="4034924718"/>
+      </p:ext>
+    </p:extLst>
+  </p:cSld>
+  <p:clrMapOvr>
+    <a:masterClrMapping/>
+  </p:clrMapOvr>
+  <p:timing>
+    <p:tnLst>
+      <p:par>
+        <p:cTn xmlns:p14="http://schemas.microsoft.com/office/powerpoint/2010/main" id="1" dur="indefinite" restart="never" nodeType="tmRoot"/>
+      </p:par>
+    </p:tnLst>
+  </p:timing>
+</p:sld>
+</file>
+
+<file path=ppt/slides/slide8.xml><?xml version="1.0" encoding="utf-8"?>
+<p:sld xmlns:a="http://schemas.openxmlformats.org/drawingml/2006/main" xmlns:r="http://schemas.openxmlformats.org/officeDocument/2006/relationships" xmlns:p="http://schemas.openxmlformats.org/presentationml/2006/main">
+  <p:cSld>
+    <p:spTree>
+      <p:nvGrpSpPr>
+        <p:cNvPr id="1" name=""/>
+        <p:cNvGrpSpPr/>
+        <p:nvPr/>
+      </p:nvGrpSpPr>
+      <p:grpSpPr>
+        <a:xfrm>
+          <a:off x="0" y="0"/>
+          <a:ext cx="0" cy="0"/>
+          <a:chOff x="0" y="0"/>
+          <a:chExt cx="0" cy="0"/>
+        </a:xfrm>
+      </p:grpSpPr>
+      <p:cxnSp>
+        <p:nvCxnSpPr>
+          <p:cNvPr id="8" name="Straight Arrow Connector 7"/>
+          <p:cNvCxnSpPr/>
+          <p:nvPr/>
+        </p:nvCxnSpPr>
+        <p:spPr>
+          <a:xfrm>
+            <a:off x="489618" y="3347315"/>
+            <a:ext cx="8425782" cy="0"/>
+          </a:xfrm>
+          <a:prstGeom prst="straightConnector1">
+            <a:avLst/>
+          </a:prstGeom>
+          <a:ln w="76200" cmpd="sng">
+            <a:solidFill>
+              <a:srgbClr val="FF0000"/>
+            </a:solidFill>
+            <a:tailEnd type="arrow"/>
+          </a:ln>
+        </p:spPr>
+        <p:style>
+          <a:lnRef idx="2">
+            <a:schemeClr val="accent1"/>
+          </a:lnRef>
+          <a:fillRef idx="0">
+            <a:schemeClr val="accent1"/>
+          </a:fillRef>
+          <a:effectRef idx="1">
+            <a:schemeClr val="accent1"/>
+          </a:effectRef>
+          <a:fontRef idx="minor">
+            <a:schemeClr val="tx1"/>
+          </a:fontRef>
+        </p:style>
+      </p:cxnSp>
+      <p:cxnSp>
+        <p:nvCxnSpPr>
+          <p:cNvPr id="10" name="Straight Arrow Connector 9"/>
+          <p:cNvCxnSpPr/>
+          <p:nvPr/>
+        </p:nvCxnSpPr>
+        <p:spPr>
+          <a:xfrm>
+            <a:off x="489618" y="4834691"/>
+            <a:ext cx="8425782" cy="0"/>
+          </a:xfrm>
+          <a:prstGeom prst="straightConnector1">
+            <a:avLst/>
+          </a:prstGeom>
+          <a:ln w="76200" cmpd="sng">
+            <a:tailEnd type="arrow"/>
+          </a:ln>
+        </p:spPr>
+        <p:style>
+          <a:lnRef idx="2">
+            <a:schemeClr val="accent1"/>
+          </a:lnRef>
+          <a:fillRef idx="0">
+            <a:schemeClr val="accent1"/>
+          </a:fillRef>
+          <a:effectRef idx="1">
+            <a:schemeClr val="accent1"/>
+          </a:effectRef>
+          <a:fontRef idx="minor">
+            <a:schemeClr val="tx1"/>
+          </a:fontRef>
+        </p:style>
+      </p:cxnSp>
+      <p:cxnSp>
+        <p:nvCxnSpPr>
+          <p:cNvPr id="27" name="Straight Arrow Connector 26"/>
+          <p:cNvCxnSpPr/>
+          <p:nvPr/>
+        </p:nvCxnSpPr>
+        <p:spPr>
+          <a:xfrm>
+            <a:off x="489618" y="2876306"/>
+            <a:ext cx="8425782" cy="0"/>
+          </a:xfrm>
+          <a:prstGeom prst="straightConnector1">
+            <a:avLst/>
+          </a:prstGeom>
+          <a:ln w="76200" cmpd="sng">
+            <a:solidFill>
+              <a:srgbClr val="FF0000"/>
+            </a:solidFill>
+            <a:tailEnd type="arrow"/>
+          </a:ln>
+        </p:spPr>
+        <p:style>
+          <a:lnRef idx="2">
+            <a:schemeClr val="accent1"/>
+          </a:lnRef>
+          <a:fillRef idx="0">
+            <a:schemeClr val="accent1"/>
+          </a:fillRef>
+          <a:effectRef idx="1">
+            <a:schemeClr val="accent1"/>
+          </a:effectRef>
+          <a:fontRef idx="minor">
+            <a:schemeClr val="tx1"/>
+          </a:fontRef>
+        </p:style>
+      </p:cxnSp>
+      <p:cxnSp>
+        <p:nvCxnSpPr>
+          <p:cNvPr id="17" name="Straight Arrow Connector 16"/>
+          <p:cNvCxnSpPr/>
+          <p:nvPr/>
+        </p:nvCxnSpPr>
+        <p:spPr>
+          <a:xfrm>
+            <a:off x="489618" y="5107407"/>
+            <a:ext cx="8371807" cy="0"/>
+          </a:xfrm>
+          <a:prstGeom prst="straightConnector1">
+            <a:avLst/>
+          </a:prstGeom>
+          <a:ln w="76200" cmpd="sng">
+            <a:headEnd type="none"/>
+            <a:tailEnd type="arrow"/>
+          </a:ln>
+        </p:spPr>
+        <p:style>
+          <a:lnRef idx="2">
+            <a:schemeClr val="accent1"/>
+          </a:lnRef>
+          <a:fillRef idx="0">
+            <a:schemeClr val="accent1"/>
+          </a:fillRef>
+          <a:effectRef idx="1">
+            <a:schemeClr val="accent1"/>
+          </a:effectRef>
+          <a:fontRef idx="minor">
+            <a:schemeClr val="tx1"/>
+          </a:fontRef>
+        </p:style>
+      </p:cxnSp>
+      <p:cxnSp>
+        <p:nvCxnSpPr>
+          <p:cNvPr id="18" name="Straight Arrow Connector 17"/>
+          <p:cNvCxnSpPr/>
+          <p:nvPr/>
+        </p:nvCxnSpPr>
+        <p:spPr>
+          <a:xfrm>
+            <a:off x="457912" y="5340017"/>
+            <a:ext cx="8430250" cy="0"/>
+          </a:xfrm>
+          <a:prstGeom prst="straightConnector1">
+            <a:avLst/>
+          </a:prstGeom>
+          <a:ln w="76200" cmpd="sng">
+            <a:prstDash val="solid"/>
+            <a:headEnd type="none"/>
+            <a:tailEnd type="arrow"/>
+          </a:ln>
+        </p:spPr>
+        <p:style>
+          <a:lnRef idx="2">
+            <a:schemeClr val="accent1"/>
+          </a:lnRef>
+          <a:fillRef idx="0">
+            <a:schemeClr val="accent1"/>
+          </a:fillRef>
+          <a:effectRef idx="1">
+            <a:schemeClr val="accent1"/>
+          </a:effectRef>
+          <a:fontRef idx="minor">
+            <a:schemeClr val="tx1"/>
+          </a:fontRef>
+        </p:style>
+      </p:cxnSp>
+      <p:cxnSp>
+        <p:nvCxnSpPr>
+          <p:cNvPr id="19" name="Straight Arrow Connector 18"/>
+          <p:cNvCxnSpPr/>
+          <p:nvPr/>
+        </p:nvCxnSpPr>
+        <p:spPr>
+          <a:xfrm>
+            <a:off x="507999" y="5610730"/>
+            <a:ext cx="8380163" cy="0"/>
+          </a:xfrm>
+          <a:prstGeom prst="straightConnector1">
+            <a:avLst/>
+          </a:prstGeom>
+          <a:ln w="76200" cmpd="sng">
+            <a:headEnd type="none"/>
+            <a:tailEnd type="arrow"/>
+          </a:ln>
+        </p:spPr>
+        <p:style>
+          <a:lnRef idx="2">
+            <a:schemeClr val="accent1"/>
+          </a:lnRef>
+          <a:fillRef idx="0">
+            <a:schemeClr val="accent1"/>
+          </a:fillRef>
+          <a:effectRef idx="1">
+            <a:schemeClr val="accent1"/>
+          </a:effectRef>
+          <a:fontRef idx="minor">
+            <a:schemeClr val="tx1"/>
+          </a:fontRef>
+        </p:style>
+      </p:cxnSp>
+      <p:cxnSp>
+        <p:nvCxnSpPr>
+          <p:cNvPr id="20" name="Straight Arrow Connector 19"/>
+          <p:cNvCxnSpPr/>
+          <p:nvPr/>
+        </p:nvCxnSpPr>
+        <p:spPr>
+          <a:xfrm>
+            <a:off x="489618" y="5831976"/>
+            <a:ext cx="8371807" cy="0"/>
+          </a:xfrm>
+          <a:prstGeom prst="straightConnector1">
+            <a:avLst/>
+          </a:prstGeom>
+          <a:ln w="76200" cmpd="sng">
+            <a:headEnd type="none"/>
+            <a:tailEnd type="arrow"/>
+          </a:ln>
+        </p:spPr>
+        <p:style>
+          <a:lnRef idx="2">
+            <a:schemeClr val="accent1"/>
+          </a:lnRef>
+          <a:fillRef idx="0">
+            <a:schemeClr val="accent1"/>
+          </a:fillRef>
+          <a:effectRef idx="1">
+            <a:schemeClr val="accent1"/>
+          </a:effectRef>
+          <a:fontRef idx="minor">
+            <a:schemeClr val="tx1"/>
+          </a:fontRef>
+        </p:style>
+      </p:cxnSp>
+      <p:cxnSp>
+        <p:nvCxnSpPr>
+          <p:cNvPr id="21" name="Straight Arrow Connector 20"/>
+          <p:cNvCxnSpPr/>
+          <p:nvPr/>
+        </p:nvCxnSpPr>
+        <p:spPr>
+          <a:xfrm>
+            <a:off x="457912" y="3833926"/>
+            <a:ext cx="8425782" cy="0"/>
+          </a:xfrm>
+          <a:prstGeom prst="straightConnector1">
+            <a:avLst/>
+          </a:prstGeom>
+          <a:ln w="76200" cmpd="sng">
+            <a:solidFill>
+              <a:srgbClr val="FF0000"/>
+            </a:solidFill>
+            <a:tailEnd type="arrow"/>
+          </a:ln>
+        </p:spPr>
+        <p:style>
+          <a:lnRef idx="2">
+            <a:schemeClr val="accent1"/>
+          </a:lnRef>
+          <a:fillRef idx="0">
+            <a:schemeClr val="accent1"/>
+          </a:fillRef>
+          <a:effectRef idx="1">
+            <a:schemeClr val="accent1"/>
+          </a:effectRef>
+          <a:fontRef idx="minor">
+            <a:schemeClr val="tx1"/>
+          </a:fontRef>
+        </p:style>
+      </p:cxnSp>
+      <p:sp>
+        <p:nvSpPr>
+          <p:cNvPr id="33" name="TextBox 32"/>
+          <p:cNvSpPr txBox="1"/>
+          <p:nvPr/>
+        </p:nvSpPr>
+        <p:spPr>
+          <a:xfrm>
+            <a:off x="489618" y="289129"/>
+            <a:ext cx="8032583" cy="461665"/>
+          </a:xfrm>
+          <a:prstGeom prst="rect">
+            <a:avLst/>
+          </a:prstGeom>
+          <a:noFill/>
+        </p:spPr>
+        <p:txBody>
+          <a:bodyPr wrap="square" rtlCol="0">
+            <a:spAutoFit/>
+          </a:bodyPr>
+          <a:lstStyle/>
+          <a:p>
+            <a:r>
+              <a:rPr lang="en-US" sz="2400" b="1" dirty="0" smtClean="0"/>
+              <a:t>Proof Idea for Theorem: T’ &lt; T</a:t>
+            </a:r>
+            <a:r>
+              <a:rPr lang="en-US" sz="2400" b="1" baseline="-25000" dirty="0" smtClean="0"/>
+              <a:t>0</a:t>
+            </a:r>
+            <a:endParaRPr lang="en-US" sz="2400" baseline="-25000" dirty="0" smtClean="0"/>
+          </a:p>
+        </p:txBody>
+      </p:sp>
+      <p:cxnSp>
+        <p:nvCxnSpPr>
+          <p:cNvPr id="38" name="Straight Connector 37"/>
+          <p:cNvCxnSpPr/>
+          <p:nvPr/>
+        </p:nvCxnSpPr>
+        <p:spPr>
+          <a:xfrm>
+            <a:off x="5500442" y="5610730"/>
+            <a:ext cx="0" cy="382999"/>
+          </a:xfrm>
+          <a:prstGeom prst="line">
+            <a:avLst/>
+          </a:prstGeom>
+          <a:ln>
+            <a:solidFill>
+              <a:srgbClr val="800000"/>
+            </a:solidFill>
+          </a:ln>
+        </p:spPr>
+        <p:style>
+          <a:lnRef idx="2">
+            <a:schemeClr val="accent1"/>
+          </a:lnRef>
+          <a:fillRef idx="0">
+            <a:schemeClr val="accent1"/>
+          </a:fillRef>
+          <a:effectRef idx="1">
+            <a:schemeClr val="accent1"/>
+          </a:effectRef>
+          <a:fontRef idx="minor">
+            <a:schemeClr val="tx1"/>
+          </a:fontRef>
+        </p:style>
+      </p:cxnSp>
+      <p:cxnSp>
+        <p:nvCxnSpPr>
+          <p:cNvPr id="22" name="Straight Connector 21"/>
+          <p:cNvCxnSpPr/>
+          <p:nvPr/>
+        </p:nvCxnSpPr>
+        <p:spPr>
+          <a:xfrm>
+            <a:off x="5259142" y="5380131"/>
+            <a:ext cx="0" cy="382999"/>
+          </a:xfrm>
+          <a:prstGeom prst="line">
+            <a:avLst/>
+          </a:prstGeom>
+          <a:ln>
+            <a:solidFill>
+              <a:srgbClr val="800000"/>
+            </a:solidFill>
+          </a:ln>
+        </p:spPr>
+        <p:style>
+          <a:lnRef idx="2">
+            <a:schemeClr val="accent1"/>
+          </a:lnRef>
+          <a:fillRef idx="0">
+            <a:schemeClr val="accent1"/>
+          </a:fillRef>
+          <a:effectRef idx="1">
+            <a:schemeClr val="accent1"/>
+          </a:effectRef>
+          <a:fontRef idx="minor">
+            <a:schemeClr val="tx1"/>
+          </a:fontRef>
+        </p:style>
+      </p:cxnSp>
+      <p:cxnSp>
+        <p:nvCxnSpPr>
+          <p:cNvPr id="23" name="Straight Connector 22"/>
+          <p:cNvCxnSpPr/>
+          <p:nvPr/>
+        </p:nvCxnSpPr>
+        <p:spPr>
+          <a:xfrm>
+            <a:off x="5055942" y="5188631"/>
+            <a:ext cx="0" cy="382999"/>
+          </a:xfrm>
+          <a:prstGeom prst="line">
+            <a:avLst/>
+          </a:prstGeom>
+          <a:ln>
+            <a:solidFill>
+              <a:srgbClr val="800000"/>
+            </a:solidFill>
+          </a:ln>
+        </p:spPr>
+        <p:style>
+          <a:lnRef idx="2">
+            <a:schemeClr val="accent1"/>
+          </a:lnRef>
+          <a:fillRef idx="0">
+            <a:schemeClr val="accent1"/>
+          </a:fillRef>
+          <a:effectRef idx="1">
+            <a:schemeClr val="accent1"/>
+          </a:effectRef>
+          <a:fontRef idx="minor">
+            <a:schemeClr val="tx1"/>
+          </a:fontRef>
+        </p:style>
+      </p:cxnSp>
+      <p:sp>
+        <p:nvSpPr>
+          <p:cNvPr id="25" name="TextBox 24"/>
+          <p:cNvSpPr txBox="1"/>
+          <p:nvPr/>
+        </p:nvSpPr>
+        <p:spPr>
+          <a:xfrm>
+            <a:off x="499108" y="2414641"/>
+            <a:ext cx="1608133" cy="461665"/>
+          </a:xfrm>
+          <a:prstGeom prst="rect">
+            <a:avLst/>
+          </a:prstGeom>
+          <a:noFill/>
+        </p:spPr>
+        <p:txBody>
+          <a:bodyPr wrap="none" rtlCol="0">
+            <a:spAutoFit/>
+          </a:bodyPr>
+          <a:lstStyle/>
+          <a:p>
+            <a:r>
+              <a:rPr lang="en-US" sz="2400" b="1" dirty="0" smtClean="0">
+                <a:solidFill>
+                  <a:srgbClr val="FF0000"/>
+                </a:solidFill>
+              </a:rPr>
+              <a:t>Proposer A</a:t>
+            </a:r>
+            <a:endParaRPr lang="en-US" sz="2400" b="1" dirty="0">
+              <a:solidFill>
+                <a:srgbClr val="FF0000"/>
+              </a:solidFill>
+            </a:endParaRPr>
+          </a:p>
+        </p:txBody>
+      </p:sp>
+      <p:sp>
+        <p:nvSpPr>
+          <p:cNvPr id="26" name="TextBox 25"/>
+          <p:cNvSpPr txBox="1"/>
+          <p:nvPr/>
+        </p:nvSpPr>
+        <p:spPr>
+          <a:xfrm>
+            <a:off x="524055" y="2890777"/>
+            <a:ext cx="1583186" cy="461665"/>
+          </a:xfrm>
+          <a:prstGeom prst="rect">
+            <a:avLst/>
+          </a:prstGeom>
+          <a:noFill/>
+        </p:spPr>
+        <p:txBody>
+          <a:bodyPr wrap="none" rtlCol="0">
+            <a:spAutoFit/>
+          </a:bodyPr>
+          <a:lstStyle/>
+          <a:p>
+            <a:r>
+              <a:rPr lang="en-US" sz="2400" b="1" dirty="0" smtClean="0">
+                <a:solidFill>
+                  <a:srgbClr val="FF0000"/>
+                </a:solidFill>
+              </a:rPr>
+              <a:t>Proposer B</a:t>
+            </a:r>
+            <a:endParaRPr lang="en-US" sz="2400" b="1" dirty="0">
+              <a:solidFill>
+                <a:srgbClr val="FF0000"/>
+              </a:solidFill>
+            </a:endParaRPr>
+          </a:p>
+        </p:txBody>
+      </p:sp>
+      <p:sp>
+        <p:nvSpPr>
+          <p:cNvPr id="28" name="TextBox 27"/>
+          <p:cNvSpPr txBox="1"/>
+          <p:nvPr/>
+        </p:nvSpPr>
+        <p:spPr>
+          <a:xfrm>
+            <a:off x="533673" y="3372261"/>
+            <a:ext cx="1573568" cy="461665"/>
+          </a:xfrm>
+          <a:prstGeom prst="rect">
+            <a:avLst/>
+          </a:prstGeom>
+          <a:noFill/>
+        </p:spPr>
+        <p:txBody>
+          <a:bodyPr wrap="none" rtlCol="0">
+            <a:spAutoFit/>
+          </a:bodyPr>
+          <a:lstStyle/>
+          <a:p>
+            <a:r>
+              <a:rPr lang="en-US" sz="2400" b="1" dirty="0" smtClean="0">
+                <a:solidFill>
+                  <a:srgbClr val="FF0000"/>
+                </a:solidFill>
+              </a:rPr>
+              <a:t>Proposer </a:t>
+            </a:r>
+            <a:r>
+              <a:rPr lang="en-US" sz="2400" b="1" dirty="0">
+                <a:solidFill>
+                  <a:srgbClr val="FF0000"/>
+                </a:solidFill>
+              </a:rPr>
+              <a:t>C</a:t>
+            </a:r>
+          </a:p>
+        </p:txBody>
+      </p:sp>
+      <p:sp>
+        <p:nvSpPr>
+          <p:cNvPr id="30" name="TextBox 29"/>
+          <p:cNvSpPr txBox="1"/>
+          <p:nvPr/>
+        </p:nvSpPr>
+        <p:spPr>
+          <a:xfrm>
+            <a:off x="178257" y="5956251"/>
+            <a:ext cx="1928984" cy="461665"/>
+          </a:xfrm>
+          <a:prstGeom prst="rect">
+            <a:avLst/>
+          </a:prstGeom>
+          <a:noFill/>
+        </p:spPr>
+        <p:txBody>
+          <a:bodyPr wrap="none" rtlCol="0">
+            <a:spAutoFit/>
+          </a:bodyPr>
+          <a:lstStyle/>
+          <a:p>
+            <a:r>
+              <a:rPr lang="en-US" sz="2400" b="1" dirty="0" smtClean="0">
+                <a:solidFill>
+                  <a:srgbClr val="3366FF"/>
+                </a:solidFill>
+              </a:rPr>
+              <a:t>Acceptors 1-5</a:t>
+            </a:r>
+            <a:endParaRPr lang="en-US" sz="2400" b="1" dirty="0">
+              <a:solidFill>
+                <a:srgbClr val="3366FF"/>
+              </a:solidFill>
+            </a:endParaRPr>
+          </a:p>
+        </p:txBody>
+      </p:sp>
+      <p:sp>
+        <p:nvSpPr>
+          <p:cNvPr id="31" name="TextBox 30"/>
+          <p:cNvSpPr txBox="1"/>
+          <p:nvPr/>
+        </p:nvSpPr>
+        <p:spPr>
+          <a:xfrm>
+            <a:off x="6569438" y="4137035"/>
+            <a:ext cx="2148395" cy="461665"/>
+          </a:xfrm>
+          <a:prstGeom prst="rect">
+            <a:avLst/>
+          </a:prstGeom>
+          <a:noFill/>
+        </p:spPr>
+        <p:txBody>
+          <a:bodyPr wrap="none" rtlCol="0">
+            <a:spAutoFit/>
+          </a:bodyPr>
+          <a:lstStyle/>
+          <a:p>
+            <a:r>
+              <a:rPr lang="en-US" sz="2400" b="1" dirty="0">
+                <a:solidFill>
+                  <a:srgbClr val="660066"/>
+                </a:solidFill>
+              </a:rPr>
+              <a:t>a</a:t>
+            </a:r>
+            <a:r>
+              <a:rPr lang="en-US" sz="2400" b="1" dirty="0" smtClean="0">
+                <a:solidFill>
+                  <a:srgbClr val="660066"/>
+                </a:solidFill>
+              </a:rPr>
+              <a:t>ccepts (</a:t>
+            </a:r>
+            <a:r>
+              <a:rPr lang="en-US" sz="2400" b="1" dirty="0" smtClean="0">
+                <a:solidFill>
+                  <a:srgbClr val="660066"/>
+                </a:solidFill>
+              </a:rPr>
+              <a:t>T</a:t>
+            </a:r>
+            <a:r>
+              <a:rPr lang="en-US" sz="2400" b="1" baseline="-25000" dirty="0" smtClean="0">
+                <a:solidFill>
+                  <a:srgbClr val="660066"/>
+                </a:solidFill>
+              </a:rPr>
+              <a:t>0</a:t>
+            </a:r>
+            <a:r>
+              <a:rPr lang="en-US" sz="2400" b="1" dirty="0" smtClean="0">
+                <a:solidFill>
+                  <a:srgbClr val="660066"/>
+                </a:solidFill>
+              </a:rPr>
+              <a:t>, V</a:t>
+            </a:r>
+            <a:r>
+              <a:rPr lang="en-US" sz="2400" b="1" baseline="-25000" dirty="0" smtClean="0">
+                <a:solidFill>
+                  <a:srgbClr val="660066"/>
+                </a:solidFill>
+              </a:rPr>
+              <a:t>0</a:t>
+            </a:r>
+            <a:r>
+              <a:rPr lang="en-US" sz="2400" b="1" dirty="0" smtClean="0">
+                <a:solidFill>
+                  <a:srgbClr val="660066"/>
+                </a:solidFill>
+              </a:rPr>
+              <a:t>)</a:t>
+            </a:r>
+            <a:endParaRPr lang="en-US" sz="2400" b="1" dirty="0">
+              <a:solidFill>
+                <a:srgbClr val="660066"/>
+              </a:solidFill>
+            </a:endParaRPr>
+          </a:p>
+        </p:txBody>
+      </p:sp>
+      <p:cxnSp>
+        <p:nvCxnSpPr>
+          <p:cNvPr id="32" name="Straight Arrow Connector 31"/>
+          <p:cNvCxnSpPr>
+            <a:stCxn id="31" idx="1"/>
+          </p:cNvCxnSpPr>
+          <p:nvPr/>
+        </p:nvCxnSpPr>
+        <p:spPr>
+          <a:xfrm flipH="1">
+            <a:off x="5259142" y="4367868"/>
+            <a:ext cx="1310296" cy="1203762"/>
+          </a:xfrm>
+          <a:prstGeom prst="straightConnector1">
+            <a:avLst/>
+          </a:prstGeom>
+          <a:ln>
+            <a:solidFill>
+              <a:srgbClr val="800000"/>
+            </a:solidFill>
+            <a:prstDash val="dash"/>
+            <a:tailEnd type="arrow"/>
+          </a:ln>
+        </p:spPr>
+        <p:style>
+          <a:lnRef idx="2">
+            <a:schemeClr val="accent1"/>
+          </a:lnRef>
+          <a:fillRef idx="0">
+            <a:schemeClr val="accent1"/>
+          </a:fillRef>
+          <a:effectRef idx="1">
+            <a:schemeClr val="accent1"/>
+          </a:effectRef>
+          <a:fontRef idx="minor">
+            <a:schemeClr val="tx1"/>
+          </a:fontRef>
+        </p:style>
+      </p:cxnSp>
+      <p:cxnSp>
+        <p:nvCxnSpPr>
+          <p:cNvPr id="34" name="Straight Arrow Connector 33"/>
+          <p:cNvCxnSpPr>
+            <a:stCxn id="31" idx="1"/>
+          </p:cNvCxnSpPr>
+          <p:nvPr/>
+        </p:nvCxnSpPr>
+        <p:spPr>
+          <a:xfrm flipH="1">
+            <a:off x="5055942" y="4367868"/>
+            <a:ext cx="1513496" cy="972149"/>
+          </a:xfrm>
+          <a:prstGeom prst="straightConnector1">
+            <a:avLst/>
+          </a:prstGeom>
+          <a:ln>
+            <a:solidFill>
+              <a:srgbClr val="800000"/>
+            </a:solidFill>
+            <a:prstDash val="dash"/>
+            <a:tailEnd type="arrow"/>
+          </a:ln>
+        </p:spPr>
+        <p:style>
+          <a:lnRef idx="2">
+            <a:schemeClr val="accent1"/>
+          </a:lnRef>
+          <a:fillRef idx="0">
+            <a:schemeClr val="accent1"/>
+          </a:fillRef>
+          <a:effectRef idx="1">
+            <a:schemeClr val="accent1"/>
+          </a:effectRef>
+          <a:fontRef idx="minor">
+            <a:schemeClr val="tx1"/>
+          </a:fontRef>
+        </p:style>
+      </p:cxnSp>
+      <p:cxnSp>
+        <p:nvCxnSpPr>
+          <p:cNvPr id="35" name="Straight Arrow Connector 34"/>
+          <p:cNvCxnSpPr>
+            <a:stCxn id="31" idx="1"/>
+          </p:cNvCxnSpPr>
+          <p:nvPr/>
+        </p:nvCxnSpPr>
+        <p:spPr>
+          <a:xfrm flipH="1">
+            <a:off x="5500442" y="4367868"/>
+            <a:ext cx="1068996" cy="1395262"/>
+          </a:xfrm>
+          <a:prstGeom prst="straightConnector1">
+            <a:avLst/>
+          </a:prstGeom>
+          <a:ln>
+            <a:solidFill>
+              <a:srgbClr val="800000"/>
+            </a:solidFill>
+            <a:prstDash val="dash"/>
+            <a:tailEnd type="arrow"/>
+          </a:ln>
+        </p:spPr>
+        <p:style>
+          <a:lnRef idx="2">
+            <a:schemeClr val="accent1"/>
+          </a:lnRef>
+          <a:fillRef idx="0">
+            <a:schemeClr val="accent1"/>
+          </a:fillRef>
+          <a:effectRef idx="1">
+            <a:schemeClr val="accent1"/>
+          </a:effectRef>
+          <a:fontRef idx="minor">
+            <a:schemeClr val="tx1"/>
+          </a:fontRef>
+        </p:style>
+      </p:cxnSp>
+      <p:sp>
+        <p:nvSpPr>
+          <p:cNvPr id="46" name="TextBox 45"/>
+          <p:cNvSpPr txBox="1"/>
+          <p:nvPr/>
+        </p:nvSpPr>
+        <p:spPr>
+          <a:xfrm>
+            <a:off x="8717833" y="4387026"/>
+            <a:ext cx="340658" cy="461665"/>
+          </a:xfrm>
+          <a:prstGeom prst="rect">
+            <a:avLst/>
+          </a:prstGeom>
+          <a:noFill/>
+        </p:spPr>
+        <p:txBody>
+          <a:bodyPr wrap="none" rtlCol="0">
+            <a:spAutoFit/>
+          </a:bodyPr>
+          <a:lstStyle/>
+          <a:p>
+            <a:r>
+              <a:rPr lang="en-US" sz="2400" b="1" dirty="0" smtClean="0">
+                <a:solidFill>
+                  <a:srgbClr val="3366FF"/>
+                </a:solidFill>
+              </a:rPr>
+              <a:t>1</a:t>
+            </a:r>
+            <a:endParaRPr lang="en-US" sz="2400" b="1" dirty="0">
+              <a:solidFill>
+                <a:srgbClr val="3366FF"/>
+              </a:solidFill>
+            </a:endParaRPr>
+          </a:p>
+        </p:txBody>
+      </p:sp>
+      <p:sp>
+        <p:nvSpPr>
+          <p:cNvPr id="47" name="TextBox 46"/>
+          <p:cNvSpPr txBox="1"/>
+          <p:nvPr/>
+        </p:nvSpPr>
+        <p:spPr>
+          <a:xfrm>
+            <a:off x="8745071" y="5831976"/>
+            <a:ext cx="340658" cy="461665"/>
+          </a:xfrm>
+          <a:prstGeom prst="rect">
+            <a:avLst/>
+          </a:prstGeom>
+          <a:noFill/>
+        </p:spPr>
+        <p:txBody>
+          <a:bodyPr wrap="none" rtlCol="0">
+            <a:spAutoFit/>
+          </a:bodyPr>
+          <a:lstStyle/>
+          <a:p>
+            <a:r>
+              <a:rPr lang="en-US" sz="2400" b="1" dirty="0" smtClean="0">
+                <a:solidFill>
+                  <a:srgbClr val="3366FF"/>
+                </a:solidFill>
+              </a:rPr>
+              <a:t>5</a:t>
+            </a:r>
+            <a:endParaRPr lang="en-US" sz="2400" b="1" dirty="0">
+              <a:solidFill>
+                <a:srgbClr val="3366FF"/>
+              </a:solidFill>
+            </a:endParaRPr>
+          </a:p>
+        </p:txBody>
+      </p:sp>
+      <p:cxnSp>
+        <p:nvCxnSpPr>
+          <p:cNvPr id="3" name="Straight Connector 2"/>
+          <p:cNvCxnSpPr/>
+          <p:nvPr/>
+        </p:nvCxnSpPr>
+        <p:spPr>
+          <a:xfrm flipV="1">
+            <a:off x="5055942" y="4387026"/>
+            <a:ext cx="0" cy="801605"/>
+          </a:xfrm>
+          <a:prstGeom prst="line">
+            <a:avLst/>
+          </a:prstGeom>
+          <a:ln>
+            <a:solidFill>
+              <a:schemeClr val="tx1"/>
+            </a:solidFill>
+          </a:ln>
+        </p:spPr>
+        <p:style>
+          <a:lnRef idx="2">
+            <a:schemeClr val="accent1"/>
+          </a:lnRef>
+          <a:fillRef idx="0">
+            <a:schemeClr val="accent1"/>
+          </a:fillRef>
+          <a:effectRef idx="1">
+            <a:schemeClr val="accent1"/>
+          </a:effectRef>
+          <a:fontRef idx="minor">
+            <a:schemeClr val="tx1"/>
+          </a:fontRef>
+        </p:style>
+      </p:cxnSp>
+      <p:sp>
+        <p:nvSpPr>
+          <p:cNvPr id="4" name="TextBox 3"/>
+          <p:cNvSpPr txBox="1"/>
+          <p:nvPr/>
+        </p:nvSpPr>
+        <p:spPr>
+          <a:xfrm>
+            <a:off x="4870860" y="3884821"/>
+            <a:ext cx="370163" cy="523220"/>
+          </a:xfrm>
+          <a:prstGeom prst="rect">
+            <a:avLst/>
+          </a:prstGeom>
+          <a:noFill/>
+        </p:spPr>
+        <p:txBody>
+          <a:bodyPr wrap="none" rtlCol="0">
+            <a:spAutoFit/>
+          </a:bodyPr>
+          <a:lstStyle/>
+          <a:p>
+            <a:r>
+              <a:rPr lang="en-US" sz="2800" dirty="0" smtClean="0"/>
+              <a:t>P</a:t>
+            </a:r>
+            <a:endParaRPr lang="en-US" sz="2800" dirty="0"/>
+          </a:p>
+        </p:txBody>
+      </p:sp>
+      <p:cxnSp>
+        <p:nvCxnSpPr>
+          <p:cNvPr id="36" name="Straight Connector 35"/>
+          <p:cNvCxnSpPr/>
+          <p:nvPr/>
+        </p:nvCxnSpPr>
+        <p:spPr>
+          <a:xfrm>
+            <a:off x="4522542" y="4604721"/>
+            <a:ext cx="0" cy="382999"/>
+          </a:xfrm>
+          <a:prstGeom prst="line">
+            <a:avLst/>
+          </a:prstGeom>
+          <a:ln>
+            <a:solidFill>
+              <a:srgbClr val="800000"/>
+            </a:solidFill>
+          </a:ln>
+        </p:spPr>
+        <p:style>
+          <a:lnRef idx="2">
+            <a:schemeClr val="accent1"/>
+          </a:lnRef>
+          <a:fillRef idx="0">
+            <a:schemeClr val="accent1"/>
+          </a:fillRef>
+          <a:effectRef idx="1">
+            <a:schemeClr val="accent1"/>
+          </a:effectRef>
+          <a:fontRef idx="minor">
+            <a:schemeClr val="tx1"/>
+          </a:fontRef>
+        </p:style>
+      </p:cxnSp>
+      <p:sp>
+        <p:nvSpPr>
+          <p:cNvPr id="37" name="TextBox 36"/>
+          <p:cNvSpPr txBox="1"/>
+          <p:nvPr/>
+        </p:nvSpPr>
+        <p:spPr>
+          <a:xfrm>
+            <a:off x="2226038" y="4058602"/>
+            <a:ext cx="1879992" cy="461665"/>
+          </a:xfrm>
+          <a:prstGeom prst="rect">
+            <a:avLst/>
+          </a:prstGeom>
+          <a:noFill/>
+        </p:spPr>
+        <p:txBody>
+          <a:bodyPr wrap="none" rtlCol="0">
+            <a:spAutoFit/>
+          </a:bodyPr>
+          <a:lstStyle/>
+          <a:p>
+            <a:r>
+              <a:rPr lang="en-US" sz="2400" b="1" dirty="0">
+                <a:solidFill>
+                  <a:srgbClr val="660066"/>
+                </a:solidFill>
+              </a:rPr>
+              <a:t>a</a:t>
+            </a:r>
+            <a:r>
+              <a:rPr lang="en-US" sz="2400" b="1" dirty="0" smtClean="0">
+                <a:solidFill>
+                  <a:srgbClr val="660066"/>
+                </a:solidFill>
+              </a:rPr>
+              <a:t>ccepts </a:t>
+            </a:r>
+            <a:r>
+              <a:rPr lang="en-US" sz="2400" b="1" dirty="0" smtClean="0">
+                <a:solidFill>
+                  <a:srgbClr val="660066"/>
+                </a:solidFill>
+              </a:rPr>
+              <a:t>(</a:t>
+            </a:r>
+            <a:r>
+              <a:rPr lang="en-US" sz="2400" b="1" dirty="0" smtClean="0">
+                <a:solidFill>
+                  <a:srgbClr val="660066"/>
+                </a:solidFill>
+              </a:rPr>
+              <a:t>T’</a:t>
+            </a:r>
+            <a:r>
+              <a:rPr lang="en-US" sz="2400" b="1" dirty="0" smtClean="0">
+                <a:solidFill>
+                  <a:srgbClr val="660066"/>
+                </a:solidFill>
+              </a:rPr>
+              <a:t>, -)</a:t>
+            </a:r>
+            <a:endParaRPr lang="en-US" sz="2400" b="1" dirty="0">
+              <a:solidFill>
+                <a:srgbClr val="660066"/>
+              </a:solidFill>
+            </a:endParaRPr>
+          </a:p>
+        </p:txBody>
+      </p:sp>
+      <p:cxnSp>
+        <p:nvCxnSpPr>
+          <p:cNvPr id="39" name="Straight Arrow Connector 38"/>
+          <p:cNvCxnSpPr>
+            <a:stCxn id="37" idx="2"/>
+          </p:cNvCxnSpPr>
+          <p:nvPr/>
+        </p:nvCxnSpPr>
+        <p:spPr>
+          <a:xfrm>
+            <a:off x="3166034" y="4520267"/>
+            <a:ext cx="1356508" cy="314424"/>
+          </a:xfrm>
+          <a:prstGeom prst="straightConnector1">
+            <a:avLst/>
+          </a:prstGeom>
+          <a:ln>
+            <a:solidFill>
+              <a:srgbClr val="800000"/>
+            </a:solidFill>
+            <a:prstDash val="dash"/>
+            <a:tailEnd type="arrow"/>
+          </a:ln>
+        </p:spPr>
+        <p:style>
+          <a:lnRef idx="2">
+            <a:schemeClr val="accent1"/>
+          </a:lnRef>
+          <a:fillRef idx="0">
+            <a:schemeClr val="accent1"/>
+          </a:fillRef>
+          <a:effectRef idx="1">
+            <a:schemeClr val="accent1"/>
+          </a:effectRef>
+          <a:fontRef idx="minor">
+            <a:schemeClr val="tx1"/>
+          </a:fontRef>
+        </p:style>
+      </p:cxnSp>
+    </p:spTree>
+    <p:extLst>
+      <p:ext uri="{BB962C8B-B14F-4D97-AF65-F5344CB8AC3E}">
+        <p14:creationId xmlns:p14="http://schemas.microsoft.com/office/powerpoint/2010/main" val="2577671017"/>
+      </p:ext>
+    </p:extLst>
+  </p:cSld>
+  <p:clrMapOvr>
+    <a:masterClrMapping/>
+  </p:clrMapOvr>
+  <p:timing>
+    <p:tnLst>
+      <p:par>
+        <p:cTn xmlns:p14="http://schemas.microsoft.com/office/powerpoint/2010/main" id="1" dur="indefinite" restart="never" nodeType="tmRoot"/>
+      </p:par>
+    </p:tnLst>
+  </p:timing>
+</p:sld>
+</file>
+
+<file path=ppt/slides/slide9.xml><?xml version="1.0" encoding="utf-8"?>
+<p:sld xmlns:a="http://schemas.openxmlformats.org/drawingml/2006/main" xmlns:r="http://schemas.openxmlformats.org/officeDocument/2006/relationships" xmlns:p="http://schemas.openxmlformats.org/presentationml/2006/main">
+  <p:cSld>
+    <p:spTree>
+      <p:nvGrpSpPr>
+        <p:cNvPr id="1" name=""/>
+        <p:cNvGrpSpPr/>
+        <p:nvPr/>
+      </p:nvGrpSpPr>
+      <p:grpSpPr>
+        <a:xfrm>
+          <a:off x="0" y="0"/>
+          <a:ext cx="0" cy="0"/>
+          <a:chOff x="0" y="0"/>
+          <a:chExt cx="0" cy="0"/>
+        </a:xfrm>
+      </p:grpSpPr>
+      <p:cxnSp>
+        <p:nvCxnSpPr>
+          <p:cNvPr id="8" name="Straight Arrow Connector 7"/>
+          <p:cNvCxnSpPr/>
+          <p:nvPr/>
+        </p:nvCxnSpPr>
+        <p:spPr>
+          <a:xfrm>
+            <a:off x="489618" y="3347315"/>
+            <a:ext cx="8425782" cy="0"/>
+          </a:xfrm>
+          <a:prstGeom prst="straightConnector1">
+            <a:avLst/>
+          </a:prstGeom>
+          <a:ln w="76200" cmpd="sng">
+            <a:solidFill>
+              <a:srgbClr val="FF0000"/>
+            </a:solidFill>
+            <a:tailEnd type="arrow"/>
+          </a:ln>
+        </p:spPr>
+        <p:style>
+          <a:lnRef idx="2">
+            <a:schemeClr val="accent1"/>
+          </a:lnRef>
+          <a:fillRef idx="0">
+            <a:schemeClr val="accent1"/>
+          </a:fillRef>
+          <a:effectRef idx="1">
+            <a:schemeClr val="accent1"/>
+          </a:effectRef>
+          <a:fontRef idx="minor">
+            <a:schemeClr val="tx1"/>
+          </a:fontRef>
+        </p:style>
+      </p:cxnSp>
+      <p:cxnSp>
+        <p:nvCxnSpPr>
+          <p:cNvPr id="10" name="Straight Arrow Connector 9"/>
+          <p:cNvCxnSpPr/>
+          <p:nvPr/>
+        </p:nvCxnSpPr>
+        <p:spPr>
+          <a:xfrm>
+            <a:off x="489618" y="4834691"/>
+            <a:ext cx="8425782" cy="0"/>
+          </a:xfrm>
+          <a:prstGeom prst="straightConnector1">
+            <a:avLst/>
+          </a:prstGeom>
+          <a:ln w="76200" cmpd="sng">
+            <a:tailEnd type="arrow"/>
+          </a:ln>
+        </p:spPr>
+        <p:style>
+          <a:lnRef idx="2">
+            <a:schemeClr val="accent1"/>
+          </a:lnRef>
+          <a:fillRef idx="0">
+            <a:schemeClr val="accent1"/>
+          </a:fillRef>
+          <a:effectRef idx="1">
+            <a:schemeClr val="accent1"/>
+          </a:effectRef>
+          <a:fontRef idx="minor">
+            <a:schemeClr val="tx1"/>
+          </a:fontRef>
+        </p:style>
+      </p:cxnSp>
+      <p:cxnSp>
+        <p:nvCxnSpPr>
+          <p:cNvPr id="27" name="Straight Arrow Connector 26"/>
+          <p:cNvCxnSpPr/>
+          <p:nvPr/>
+        </p:nvCxnSpPr>
+        <p:spPr>
+          <a:xfrm>
+            <a:off x="489618" y="2876306"/>
+            <a:ext cx="8425782" cy="0"/>
+          </a:xfrm>
+          <a:prstGeom prst="straightConnector1">
+            <a:avLst/>
+          </a:prstGeom>
+          <a:ln w="76200" cmpd="sng">
+            <a:solidFill>
+              <a:srgbClr val="FF0000"/>
+            </a:solidFill>
+            <a:tailEnd type="arrow"/>
+          </a:ln>
+        </p:spPr>
+        <p:style>
+          <a:lnRef idx="2">
+            <a:schemeClr val="accent1"/>
+          </a:lnRef>
+          <a:fillRef idx="0">
+            <a:schemeClr val="accent1"/>
+          </a:fillRef>
+          <a:effectRef idx="1">
+            <a:schemeClr val="accent1"/>
+          </a:effectRef>
+          <a:fontRef idx="minor">
+            <a:schemeClr val="tx1"/>
+          </a:fontRef>
+        </p:style>
+      </p:cxnSp>
+      <p:cxnSp>
+        <p:nvCxnSpPr>
+          <p:cNvPr id="17" name="Straight Arrow Connector 16"/>
+          <p:cNvCxnSpPr/>
+          <p:nvPr/>
+        </p:nvCxnSpPr>
+        <p:spPr>
+          <a:xfrm>
+            <a:off x="489618" y="5107407"/>
+            <a:ext cx="8371807" cy="0"/>
+          </a:xfrm>
+          <a:prstGeom prst="straightConnector1">
+            <a:avLst/>
+          </a:prstGeom>
+          <a:ln w="76200" cmpd="sng">
+            <a:headEnd type="none"/>
+            <a:tailEnd type="arrow"/>
+          </a:ln>
+        </p:spPr>
+        <p:style>
+          <a:lnRef idx="2">
+            <a:schemeClr val="accent1"/>
+          </a:lnRef>
+          <a:fillRef idx="0">
+            <a:schemeClr val="accent1"/>
+          </a:fillRef>
+          <a:effectRef idx="1">
+            <a:schemeClr val="accent1"/>
+          </a:effectRef>
+          <a:fontRef idx="minor">
+            <a:schemeClr val="tx1"/>
+          </a:fontRef>
+        </p:style>
+      </p:cxnSp>
+      <p:cxnSp>
+        <p:nvCxnSpPr>
+          <p:cNvPr id="18" name="Straight Arrow Connector 17"/>
+          <p:cNvCxnSpPr/>
+          <p:nvPr/>
+        </p:nvCxnSpPr>
+        <p:spPr>
+          <a:xfrm>
+            <a:off x="457912" y="5340017"/>
+            <a:ext cx="8430250" cy="0"/>
+          </a:xfrm>
+          <a:prstGeom prst="straightConnector1">
+            <a:avLst/>
+          </a:prstGeom>
+          <a:ln w="76200" cmpd="sng">
+            <a:prstDash val="solid"/>
+            <a:headEnd type="none"/>
+            <a:tailEnd type="arrow"/>
+          </a:ln>
+        </p:spPr>
+        <p:style>
+          <a:lnRef idx="2">
+            <a:schemeClr val="accent1"/>
+          </a:lnRef>
+          <a:fillRef idx="0">
+            <a:schemeClr val="accent1"/>
+          </a:fillRef>
+          <a:effectRef idx="1">
+            <a:schemeClr val="accent1"/>
+          </a:effectRef>
+          <a:fontRef idx="minor">
+            <a:schemeClr val="tx1"/>
+          </a:fontRef>
+        </p:style>
+      </p:cxnSp>
+      <p:cxnSp>
+        <p:nvCxnSpPr>
+          <p:cNvPr id="19" name="Straight Arrow Connector 18"/>
+          <p:cNvCxnSpPr/>
+          <p:nvPr/>
+        </p:nvCxnSpPr>
+        <p:spPr>
+          <a:xfrm>
+            <a:off x="507999" y="5610730"/>
+            <a:ext cx="8380163" cy="0"/>
+          </a:xfrm>
+          <a:prstGeom prst="straightConnector1">
+            <a:avLst/>
+          </a:prstGeom>
+          <a:ln w="76200" cmpd="sng">
+            <a:headEnd type="none"/>
+            <a:tailEnd type="arrow"/>
+          </a:ln>
+        </p:spPr>
+        <p:style>
+          <a:lnRef idx="2">
+            <a:schemeClr val="accent1"/>
+          </a:lnRef>
+          <a:fillRef idx="0">
+            <a:schemeClr val="accent1"/>
+          </a:fillRef>
+          <a:effectRef idx="1">
+            <a:schemeClr val="accent1"/>
+          </a:effectRef>
+          <a:fontRef idx="minor">
+            <a:schemeClr val="tx1"/>
+          </a:fontRef>
+        </p:style>
+      </p:cxnSp>
+      <p:cxnSp>
+        <p:nvCxnSpPr>
+          <p:cNvPr id="20" name="Straight Arrow Connector 19"/>
+          <p:cNvCxnSpPr/>
+          <p:nvPr/>
+        </p:nvCxnSpPr>
+        <p:spPr>
+          <a:xfrm>
+            <a:off x="489618" y="5831976"/>
+            <a:ext cx="8371807" cy="0"/>
+          </a:xfrm>
+          <a:prstGeom prst="straightConnector1">
+            <a:avLst/>
+          </a:prstGeom>
+          <a:ln w="76200" cmpd="sng">
+            <a:headEnd type="none"/>
+            <a:tailEnd type="arrow"/>
+          </a:ln>
+        </p:spPr>
+        <p:style>
+          <a:lnRef idx="2">
+            <a:schemeClr val="accent1"/>
+          </a:lnRef>
+          <a:fillRef idx="0">
+            <a:schemeClr val="accent1"/>
+          </a:fillRef>
+          <a:effectRef idx="1">
+            <a:schemeClr val="accent1"/>
+          </a:effectRef>
+          <a:fontRef idx="minor">
+            <a:schemeClr val="tx1"/>
+          </a:fontRef>
+        </p:style>
+      </p:cxnSp>
+      <p:cxnSp>
+        <p:nvCxnSpPr>
+          <p:cNvPr id="21" name="Straight Arrow Connector 20"/>
+          <p:cNvCxnSpPr/>
+          <p:nvPr/>
+        </p:nvCxnSpPr>
+        <p:spPr>
+          <a:xfrm>
+            <a:off x="457912" y="3833926"/>
+            <a:ext cx="8425782" cy="0"/>
+          </a:xfrm>
+          <a:prstGeom prst="straightConnector1">
+            <a:avLst/>
+          </a:prstGeom>
+          <a:ln w="76200" cmpd="sng">
+            <a:solidFill>
+              <a:srgbClr val="FF0000"/>
+            </a:solidFill>
+            <a:tailEnd type="arrow"/>
+          </a:ln>
+        </p:spPr>
+        <p:style>
+          <a:lnRef idx="2">
+            <a:schemeClr val="accent1"/>
+          </a:lnRef>
+          <a:fillRef idx="0">
+            <a:schemeClr val="accent1"/>
+          </a:fillRef>
+          <a:effectRef idx="1">
+            <a:schemeClr val="accent1"/>
+          </a:effectRef>
+          <a:fontRef idx="minor">
+            <a:schemeClr val="tx1"/>
+          </a:fontRef>
+        </p:style>
+      </p:cxnSp>
+      <p:cxnSp>
+        <p:nvCxnSpPr>
+          <p:cNvPr id="38" name="Straight Connector 37"/>
+          <p:cNvCxnSpPr/>
+          <p:nvPr/>
+        </p:nvCxnSpPr>
+        <p:spPr>
+          <a:xfrm>
+            <a:off x="5500442" y="5610730"/>
+            <a:ext cx="0" cy="382999"/>
+          </a:xfrm>
+          <a:prstGeom prst="line">
+            <a:avLst/>
+          </a:prstGeom>
+          <a:ln>
+            <a:solidFill>
+              <a:srgbClr val="800000"/>
+            </a:solidFill>
+          </a:ln>
+        </p:spPr>
+        <p:style>
+          <a:lnRef idx="2">
+            <a:schemeClr val="accent1"/>
+          </a:lnRef>
+          <a:fillRef idx="0">
+            <a:schemeClr val="accent1"/>
+          </a:fillRef>
+          <a:effectRef idx="1">
+            <a:schemeClr val="accent1"/>
+          </a:effectRef>
+          <a:fontRef idx="minor">
+            <a:schemeClr val="tx1"/>
+          </a:fontRef>
+        </p:style>
+      </p:cxnSp>
+      <p:cxnSp>
+        <p:nvCxnSpPr>
+          <p:cNvPr id="22" name="Straight Connector 21"/>
+          <p:cNvCxnSpPr/>
+          <p:nvPr/>
+        </p:nvCxnSpPr>
+        <p:spPr>
+          <a:xfrm>
+            <a:off x="5259142" y="5380131"/>
+            <a:ext cx="0" cy="382999"/>
+          </a:xfrm>
+          <a:prstGeom prst="line">
+            <a:avLst/>
+          </a:prstGeom>
+          <a:ln>
+            <a:solidFill>
+              <a:srgbClr val="800000"/>
+            </a:solidFill>
+          </a:ln>
+        </p:spPr>
+        <p:style>
+          <a:lnRef idx="2">
+            <a:schemeClr val="accent1"/>
+          </a:lnRef>
+          <a:fillRef idx="0">
+            <a:schemeClr val="accent1"/>
+          </a:fillRef>
+          <a:effectRef idx="1">
+            <a:schemeClr val="accent1"/>
+          </a:effectRef>
+          <a:fontRef idx="minor">
+            <a:schemeClr val="tx1"/>
+          </a:fontRef>
+        </p:style>
+      </p:cxnSp>
+      <p:cxnSp>
+        <p:nvCxnSpPr>
+          <p:cNvPr id="23" name="Straight Connector 22"/>
+          <p:cNvCxnSpPr/>
+          <p:nvPr/>
+        </p:nvCxnSpPr>
+        <p:spPr>
+          <a:xfrm>
+            <a:off x="5055942" y="5188631"/>
+            <a:ext cx="0" cy="382999"/>
+          </a:xfrm>
+          <a:prstGeom prst="line">
+            <a:avLst/>
+          </a:prstGeom>
+          <a:ln>
+            <a:solidFill>
+              <a:srgbClr val="800000"/>
+            </a:solidFill>
+          </a:ln>
+        </p:spPr>
+        <p:style>
+          <a:lnRef idx="2">
+            <a:schemeClr val="accent1"/>
+          </a:lnRef>
+          <a:fillRef idx="0">
+            <a:schemeClr val="accent1"/>
+          </a:fillRef>
+          <a:effectRef idx="1">
+            <a:schemeClr val="accent1"/>
+          </a:effectRef>
+          <a:fontRef idx="minor">
+            <a:schemeClr val="tx1"/>
+          </a:fontRef>
+        </p:style>
+      </p:cxnSp>
+      <p:sp>
+        <p:nvSpPr>
+          <p:cNvPr id="25" name="TextBox 24"/>
+          <p:cNvSpPr txBox="1"/>
+          <p:nvPr/>
+        </p:nvSpPr>
+        <p:spPr>
+          <a:xfrm>
+            <a:off x="499108" y="2414641"/>
+            <a:ext cx="1608133" cy="461665"/>
+          </a:xfrm>
+          <a:prstGeom prst="rect">
+            <a:avLst/>
+          </a:prstGeom>
+          <a:noFill/>
+        </p:spPr>
+        <p:txBody>
+          <a:bodyPr wrap="none" rtlCol="0">
+            <a:spAutoFit/>
+          </a:bodyPr>
+          <a:lstStyle/>
+          <a:p>
+            <a:r>
+              <a:rPr lang="en-US" sz="2400" b="1" dirty="0" smtClean="0">
+                <a:solidFill>
+                  <a:srgbClr val="FF0000"/>
+                </a:solidFill>
+              </a:rPr>
+              <a:t>Proposer A</a:t>
+            </a:r>
+            <a:endParaRPr lang="en-US" sz="2400" b="1" dirty="0">
+              <a:solidFill>
+                <a:srgbClr val="FF0000"/>
+              </a:solidFill>
+            </a:endParaRPr>
+          </a:p>
+        </p:txBody>
+      </p:sp>
+      <p:sp>
+        <p:nvSpPr>
+          <p:cNvPr id="26" name="TextBox 25"/>
+          <p:cNvSpPr txBox="1"/>
+          <p:nvPr/>
+        </p:nvSpPr>
+        <p:spPr>
+          <a:xfrm>
+            <a:off x="524055" y="2890777"/>
+            <a:ext cx="1583186" cy="461665"/>
+          </a:xfrm>
+          <a:prstGeom prst="rect">
+            <a:avLst/>
+          </a:prstGeom>
+          <a:noFill/>
+        </p:spPr>
+        <p:txBody>
+          <a:bodyPr wrap="none" rtlCol="0">
+            <a:spAutoFit/>
+          </a:bodyPr>
+          <a:lstStyle/>
+          <a:p>
+            <a:r>
+              <a:rPr lang="en-US" sz="2400" b="1" dirty="0" smtClean="0">
+                <a:solidFill>
+                  <a:srgbClr val="FF0000"/>
+                </a:solidFill>
+              </a:rPr>
+              <a:t>Proposer B</a:t>
+            </a:r>
+            <a:endParaRPr lang="en-US" sz="2400" b="1" dirty="0">
+              <a:solidFill>
+                <a:srgbClr val="FF0000"/>
+              </a:solidFill>
+            </a:endParaRPr>
+          </a:p>
+        </p:txBody>
+      </p:sp>
+      <p:sp>
+        <p:nvSpPr>
+          <p:cNvPr id="28" name="TextBox 27"/>
+          <p:cNvSpPr txBox="1"/>
+          <p:nvPr/>
+        </p:nvSpPr>
+        <p:spPr>
+          <a:xfrm>
+            <a:off x="533673" y="3372261"/>
+            <a:ext cx="1573568" cy="461665"/>
+          </a:xfrm>
+          <a:prstGeom prst="rect">
+            <a:avLst/>
+          </a:prstGeom>
+          <a:noFill/>
+        </p:spPr>
+        <p:txBody>
+          <a:bodyPr wrap="none" rtlCol="0">
+            <a:spAutoFit/>
+          </a:bodyPr>
+          <a:lstStyle/>
+          <a:p>
+            <a:r>
+              <a:rPr lang="en-US" sz="2400" b="1" dirty="0" smtClean="0">
+                <a:solidFill>
+                  <a:srgbClr val="FF0000"/>
+                </a:solidFill>
+              </a:rPr>
+              <a:t>Proposer </a:t>
+            </a:r>
+            <a:r>
+              <a:rPr lang="en-US" sz="2400" b="1" dirty="0">
+                <a:solidFill>
+                  <a:srgbClr val="FF0000"/>
+                </a:solidFill>
+              </a:rPr>
+              <a:t>C</a:t>
+            </a:r>
+          </a:p>
+        </p:txBody>
+      </p:sp>
+      <p:sp>
+        <p:nvSpPr>
+          <p:cNvPr id="30" name="TextBox 29"/>
+          <p:cNvSpPr txBox="1"/>
+          <p:nvPr/>
+        </p:nvSpPr>
+        <p:spPr>
+          <a:xfrm>
+            <a:off x="178257" y="5956251"/>
+            <a:ext cx="1928984" cy="461665"/>
+          </a:xfrm>
+          <a:prstGeom prst="rect">
+            <a:avLst/>
+          </a:prstGeom>
+          <a:noFill/>
+        </p:spPr>
+        <p:txBody>
+          <a:bodyPr wrap="none" rtlCol="0">
+            <a:spAutoFit/>
+          </a:bodyPr>
+          <a:lstStyle/>
+          <a:p>
+            <a:r>
+              <a:rPr lang="en-US" sz="2400" b="1" dirty="0" smtClean="0">
+                <a:solidFill>
+                  <a:srgbClr val="3366FF"/>
+                </a:solidFill>
+              </a:rPr>
+              <a:t>Acceptors 1-5</a:t>
+            </a:r>
+            <a:endParaRPr lang="en-US" sz="2400" b="1" dirty="0">
+              <a:solidFill>
+                <a:srgbClr val="3366FF"/>
+              </a:solidFill>
+            </a:endParaRPr>
+          </a:p>
+        </p:txBody>
+      </p:sp>
+      <p:sp>
+        <p:nvSpPr>
+          <p:cNvPr id="31" name="TextBox 30"/>
+          <p:cNvSpPr txBox="1"/>
+          <p:nvPr/>
+        </p:nvSpPr>
+        <p:spPr>
+          <a:xfrm>
+            <a:off x="6569438" y="4137035"/>
+            <a:ext cx="2148395" cy="461665"/>
+          </a:xfrm>
+          <a:prstGeom prst="rect">
+            <a:avLst/>
+          </a:prstGeom>
+          <a:noFill/>
+        </p:spPr>
+        <p:txBody>
+          <a:bodyPr wrap="none" rtlCol="0">
+            <a:spAutoFit/>
+          </a:bodyPr>
+          <a:lstStyle/>
+          <a:p>
+            <a:r>
+              <a:rPr lang="en-US" sz="2400" b="1" dirty="0">
+                <a:solidFill>
+                  <a:srgbClr val="660066"/>
+                </a:solidFill>
+              </a:rPr>
+              <a:t>a</a:t>
+            </a:r>
+            <a:r>
+              <a:rPr lang="en-US" sz="2400" b="1" dirty="0" smtClean="0">
+                <a:solidFill>
+                  <a:srgbClr val="660066"/>
+                </a:solidFill>
+              </a:rPr>
+              <a:t>ccepts (</a:t>
+            </a:r>
+            <a:r>
+              <a:rPr lang="en-US" sz="2400" b="1" dirty="0" smtClean="0">
+                <a:solidFill>
+                  <a:srgbClr val="660066"/>
+                </a:solidFill>
+              </a:rPr>
+              <a:t>T</a:t>
+            </a:r>
+            <a:r>
+              <a:rPr lang="en-US" sz="2400" b="1" baseline="-25000" dirty="0" smtClean="0">
+                <a:solidFill>
+                  <a:srgbClr val="660066"/>
+                </a:solidFill>
+              </a:rPr>
+              <a:t>0</a:t>
+            </a:r>
+            <a:r>
+              <a:rPr lang="en-US" sz="2400" b="1" dirty="0" smtClean="0">
+                <a:solidFill>
+                  <a:srgbClr val="660066"/>
+                </a:solidFill>
+              </a:rPr>
+              <a:t>, V</a:t>
+            </a:r>
+            <a:r>
+              <a:rPr lang="en-US" sz="2400" b="1" baseline="-25000" dirty="0" smtClean="0">
+                <a:solidFill>
+                  <a:srgbClr val="660066"/>
+                </a:solidFill>
+              </a:rPr>
+              <a:t>0</a:t>
+            </a:r>
+            <a:r>
+              <a:rPr lang="en-US" sz="2400" b="1" dirty="0" smtClean="0">
+                <a:solidFill>
+                  <a:srgbClr val="660066"/>
+                </a:solidFill>
+              </a:rPr>
+              <a:t>)</a:t>
+            </a:r>
+            <a:endParaRPr lang="en-US" sz="2400" b="1" dirty="0">
+              <a:solidFill>
+                <a:srgbClr val="660066"/>
+              </a:solidFill>
+            </a:endParaRPr>
+          </a:p>
+        </p:txBody>
+      </p:sp>
+      <p:cxnSp>
+        <p:nvCxnSpPr>
+          <p:cNvPr id="32" name="Straight Arrow Connector 31"/>
+          <p:cNvCxnSpPr>
+            <a:stCxn id="31" idx="1"/>
+          </p:cNvCxnSpPr>
+          <p:nvPr/>
+        </p:nvCxnSpPr>
+        <p:spPr>
+          <a:xfrm flipH="1">
+            <a:off x="5259142" y="4367868"/>
+            <a:ext cx="1310296" cy="1203762"/>
+          </a:xfrm>
+          <a:prstGeom prst="straightConnector1">
+            <a:avLst/>
+          </a:prstGeom>
+          <a:ln>
+            <a:solidFill>
+              <a:srgbClr val="800000"/>
+            </a:solidFill>
+            <a:prstDash val="dash"/>
+            <a:tailEnd type="arrow"/>
+          </a:ln>
+        </p:spPr>
+        <p:style>
+          <a:lnRef idx="2">
+            <a:schemeClr val="accent1"/>
+          </a:lnRef>
+          <a:fillRef idx="0">
+            <a:schemeClr val="accent1"/>
+          </a:fillRef>
+          <a:effectRef idx="1">
+            <a:schemeClr val="accent1"/>
+          </a:effectRef>
+          <a:fontRef idx="minor">
+            <a:schemeClr val="tx1"/>
+          </a:fontRef>
+        </p:style>
+      </p:cxnSp>
+      <p:cxnSp>
+        <p:nvCxnSpPr>
+          <p:cNvPr id="34" name="Straight Arrow Connector 33"/>
+          <p:cNvCxnSpPr>
+            <a:stCxn id="31" idx="1"/>
+          </p:cNvCxnSpPr>
+          <p:nvPr/>
+        </p:nvCxnSpPr>
+        <p:spPr>
+          <a:xfrm flipH="1">
+            <a:off x="5055942" y="4367868"/>
+            <a:ext cx="1513496" cy="972149"/>
+          </a:xfrm>
+          <a:prstGeom prst="straightConnector1">
+            <a:avLst/>
+          </a:prstGeom>
+          <a:ln>
+            <a:solidFill>
+              <a:srgbClr val="800000"/>
+            </a:solidFill>
+            <a:prstDash val="dash"/>
+            <a:tailEnd type="arrow"/>
+          </a:ln>
+        </p:spPr>
+        <p:style>
+          <a:lnRef idx="2">
+            <a:schemeClr val="accent1"/>
+          </a:lnRef>
+          <a:fillRef idx="0">
+            <a:schemeClr val="accent1"/>
+          </a:fillRef>
+          <a:effectRef idx="1">
+            <a:schemeClr val="accent1"/>
+          </a:effectRef>
+          <a:fontRef idx="minor">
+            <a:schemeClr val="tx1"/>
+          </a:fontRef>
+        </p:style>
+      </p:cxnSp>
+      <p:cxnSp>
+        <p:nvCxnSpPr>
+          <p:cNvPr id="35" name="Straight Arrow Connector 34"/>
+          <p:cNvCxnSpPr>
+            <a:stCxn id="31" idx="1"/>
+          </p:cNvCxnSpPr>
+          <p:nvPr/>
+        </p:nvCxnSpPr>
+        <p:spPr>
+          <a:xfrm flipH="1">
+            <a:off x="5500442" y="4367868"/>
+            <a:ext cx="1068996" cy="1395262"/>
+          </a:xfrm>
+          <a:prstGeom prst="straightConnector1">
+            <a:avLst/>
+          </a:prstGeom>
+          <a:ln>
+            <a:solidFill>
+              <a:srgbClr val="800000"/>
+            </a:solidFill>
+            <a:prstDash val="dash"/>
+            <a:tailEnd type="arrow"/>
+          </a:ln>
+        </p:spPr>
+        <p:style>
+          <a:lnRef idx="2">
+            <a:schemeClr val="accent1"/>
+          </a:lnRef>
+          <a:fillRef idx="0">
+            <a:schemeClr val="accent1"/>
+          </a:fillRef>
+          <a:effectRef idx="1">
+            <a:schemeClr val="accent1"/>
+          </a:effectRef>
+          <a:fontRef idx="minor">
+            <a:schemeClr val="tx1"/>
+          </a:fontRef>
+        </p:style>
+      </p:cxnSp>
+      <p:sp>
+        <p:nvSpPr>
+          <p:cNvPr id="46" name="TextBox 45"/>
+          <p:cNvSpPr txBox="1"/>
+          <p:nvPr/>
+        </p:nvSpPr>
+        <p:spPr>
+          <a:xfrm>
+            <a:off x="8717833" y="4387026"/>
+            <a:ext cx="340658" cy="461665"/>
+          </a:xfrm>
+          <a:prstGeom prst="rect">
+            <a:avLst/>
+          </a:prstGeom>
+          <a:noFill/>
+        </p:spPr>
+        <p:txBody>
+          <a:bodyPr wrap="none" rtlCol="0">
+            <a:spAutoFit/>
+          </a:bodyPr>
+          <a:lstStyle/>
+          <a:p>
+            <a:r>
+              <a:rPr lang="en-US" sz="2400" b="1" dirty="0" smtClean="0">
+                <a:solidFill>
+                  <a:srgbClr val="3366FF"/>
+                </a:solidFill>
+              </a:rPr>
+              <a:t>1</a:t>
+            </a:r>
+            <a:endParaRPr lang="en-US" sz="2400" b="1" dirty="0">
+              <a:solidFill>
+                <a:srgbClr val="3366FF"/>
+              </a:solidFill>
+            </a:endParaRPr>
+          </a:p>
+        </p:txBody>
+      </p:sp>
+      <p:sp>
+        <p:nvSpPr>
+          <p:cNvPr id="47" name="TextBox 46"/>
+          <p:cNvSpPr txBox="1"/>
+          <p:nvPr/>
+        </p:nvSpPr>
+        <p:spPr>
+          <a:xfrm>
+            <a:off x="8745071" y="5831976"/>
+            <a:ext cx="340658" cy="461665"/>
+          </a:xfrm>
+          <a:prstGeom prst="rect">
+            <a:avLst/>
+          </a:prstGeom>
+          <a:noFill/>
+        </p:spPr>
+        <p:txBody>
+          <a:bodyPr wrap="none" rtlCol="0">
+            <a:spAutoFit/>
+          </a:bodyPr>
+          <a:lstStyle/>
+          <a:p>
+            <a:r>
+              <a:rPr lang="en-US" sz="2400" b="1" dirty="0" smtClean="0">
+                <a:solidFill>
+                  <a:srgbClr val="3366FF"/>
+                </a:solidFill>
+              </a:rPr>
+              <a:t>5</a:t>
+            </a:r>
+            <a:endParaRPr lang="en-US" sz="2400" b="1" dirty="0">
+              <a:solidFill>
+                <a:srgbClr val="3366FF"/>
+              </a:solidFill>
+            </a:endParaRPr>
+          </a:p>
+        </p:txBody>
+      </p:sp>
+      <p:cxnSp>
+        <p:nvCxnSpPr>
+          <p:cNvPr id="3" name="Straight Connector 2"/>
+          <p:cNvCxnSpPr/>
+          <p:nvPr/>
+        </p:nvCxnSpPr>
+        <p:spPr>
+          <a:xfrm flipV="1">
+            <a:off x="5055942" y="4387026"/>
+            <a:ext cx="0" cy="801605"/>
+          </a:xfrm>
+          <a:prstGeom prst="line">
+            <a:avLst/>
+          </a:prstGeom>
+          <a:ln>
+            <a:solidFill>
+              <a:schemeClr val="tx1"/>
+            </a:solidFill>
+          </a:ln>
+        </p:spPr>
+        <p:style>
+          <a:lnRef idx="2">
+            <a:schemeClr val="accent1"/>
+          </a:lnRef>
+          <a:fillRef idx="0">
+            <a:schemeClr val="accent1"/>
+          </a:fillRef>
+          <a:effectRef idx="1">
+            <a:schemeClr val="accent1"/>
+          </a:effectRef>
+          <a:fontRef idx="minor">
+            <a:schemeClr val="tx1"/>
+          </a:fontRef>
+        </p:style>
+      </p:cxnSp>
+      <p:sp>
+        <p:nvSpPr>
+          <p:cNvPr id="4" name="TextBox 3"/>
+          <p:cNvSpPr txBox="1"/>
+          <p:nvPr/>
+        </p:nvSpPr>
+        <p:spPr>
+          <a:xfrm>
+            <a:off x="4870860" y="3884821"/>
+            <a:ext cx="370163" cy="523220"/>
+          </a:xfrm>
+          <a:prstGeom prst="rect">
+            <a:avLst/>
+          </a:prstGeom>
+          <a:noFill/>
+        </p:spPr>
+        <p:txBody>
+          <a:bodyPr wrap="none" rtlCol="0">
+            <a:spAutoFit/>
+          </a:bodyPr>
+          <a:lstStyle/>
+          <a:p>
+            <a:r>
+              <a:rPr lang="en-US" sz="2800" dirty="0" smtClean="0"/>
+              <a:t>P</a:t>
+            </a:r>
+            <a:endParaRPr lang="en-US" sz="2800" dirty="0"/>
+          </a:p>
+        </p:txBody>
+      </p:sp>
+      <p:cxnSp>
+        <p:nvCxnSpPr>
+          <p:cNvPr id="36" name="Straight Connector 35"/>
+          <p:cNvCxnSpPr/>
+          <p:nvPr/>
+        </p:nvCxnSpPr>
+        <p:spPr>
+          <a:xfrm>
+            <a:off x="4522542" y="4604721"/>
+            <a:ext cx="0" cy="382999"/>
+          </a:xfrm>
+          <a:prstGeom prst="line">
+            <a:avLst/>
+          </a:prstGeom>
+          <a:ln>
+            <a:solidFill>
+              <a:srgbClr val="800000"/>
+            </a:solidFill>
+          </a:ln>
+        </p:spPr>
+        <p:style>
+          <a:lnRef idx="2">
+            <a:schemeClr val="accent1"/>
+          </a:lnRef>
+          <a:fillRef idx="0">
+            <a:schemeClr val="accent1"/>
+          </a:fillRef>
+          <a:effectRef idx="1">
+            <a:schemeClr val="accent1"/>
+          </a:effectRef>
+          <a:fontRef idx="minor">
+            <a:schemeClr val="tx1"/>
+          </a:fontRef>
+        </p:style>
+      </p:cxnSp>
+      <p:cxnSp>
+        <p:nvCxnSpPr>
+          <p:cNvPr id="39" name="Straight Arrow Connector 38"/>
+          <p:cNvCxnSpPr/>
+          <p:nvPr/>
+        </p:nvCxnSpPr>
+        <p:spPr>
+          <a:xfrm>
+            <a:off x="3166034" y="3372261"/>
+            <a:ext cx="1356508" cy="1462430"/>
+          </a:xfrm>
+          <a:prstGeom prst="straightConnector1">
+            <a:avLst/>
+          </a:prstGeom>
+          <a:ln>
+            <a:solidFill>
+              <a:srgbClr val="000000"/>
+            </a:solidFill>
+            <a:prstDash val="solid"/>
+            <a:tailEnd type="arrow"/>
+          </a:ln>
+        </p:spPr>
+        <p:style>
+          <a:lnRef idx="2">
+            <a:schemeClr val="accent1"/>
+          </a:lnRef>
+          <a:fillRef idx="0">
+            <a:schemeClr val="accent1"/>
+          </a:fillRef>
+          <a:effectRef idx="1">
+            <a:schemeClr val="accent1"/>
+          </a:effectRef>
+          <a:fontRef idx="minor">
+            <a:schemeClr val="tx1"/>
+          </a:fontRef>
+        </p:style>
+      </p:cxnSp>
+      <p:sp>
+        <p:nvSpPr>
+          <p:cNvPr id="40" name="TextBox 39"/>
+          <p:cNvSpPr txBox="1"/>
+          <p:nvPr/>
+        </p:nvSpPr>
+        <p:spPr>
+          <a:xfrm>
+            <a:off x="2183734" y="1793258"/>
+            <a:ext cx="1969259" cy="461665"/>
+          </a:xfrm>
+          <a:prstGeom prst="rect">
+            <a:avLst/>
+          </a:prstGeom>
+          <a:noFill/>
+        </p:spPr>
+        <p:txBody>
+          <a:bodyPr wrap="none" rtlCol="0">
+            <a:spAutoFit/>
+          </a:bodyPr>
+          <a:lstStyle/>
+          <a:p>
+            <a:r>
+              <a:rPr lang="en-US" sz="2400" b="1" dirty="0" smtClean="0">
+                <a:solidFill>
+                  <a:srgbClr val="660066"/>
+                </a:solidFill>
+              </a:rPr>
+              <a:t>propose</a:t>
+            </a:r>
+            <a:r>
+              <a:rPr lang="en-US" sz="2400" b="1" dirty="0" smtClean="0">
+                <a:solidFill>
+                  <a:srgbClr val="660066"/>
+                </a:solidFill>
+              </a:rPr>
+              <a:t> (</a:t>
+            </a:r>
+            <a:r>
+              <a:rPr lang="en-US" sz="2400" b="1" dirty="0" smtClean="0">
+                <a:solidFill>
+                  <a:srgbClr val="660066"/>
+                </a:solidFill>
+              </a:rPr>
+              <a:t>T’</a:t>
+            </a:r>
+            <a:r>
+              <a:rPr lang="en-US" sz="2400" b="1" dirty="0" smtClean="0">
+                <a:solidFill>
+                  <a:srgbClr val="660066"/>
+                </a:solidFill>
+              </a:rPr>
+              <a:t>, -)</a:t>
+            </a:r>
+            <a:endParaRPr lang="en-US" sz="2400" b="1" dirty="0">
+              <a:solidFill>
+                <a:srgbClr val="660066"/>
+              </a:solidFill>
+            </a:endParaRPr>
+          </a:p>
+        </p:txBody>
+      </p:sp>
+      <p:sp>
+        <p:nvSpPr>
+          <p:cNvPr id="41" name="TextBox 40"/>
+          <p:cNvSpPr txBox="1"/>
+          <p:nvPr/>
+        </p:nvSpPr>
+        <p:spPr>
+          <a:xfrm>
+            <a:off x="5259142" y="1810702"/>
+            <a:ext cx="1879992" cy="461665"/>
+          </a:xfrm>
+          <a:prstGeom prst="rect">
+            <a:avLst/>
+          </a:prstGeom>
+          <a:noFill/>
+        </p:spPr>
+        <p:txBody>
+          <a:bodyPr wrap="none" rtlCol="0">
+            <a:spAutoFit/>
+          </a:bodyPr>
+          <a:lstStyle/>
+          <a:p>
+            <a:r>
+              <a:rPr lang="en-US" sz="2400" b="1" dirty="0">
+                <a:solidFill>
+                  <a:srgbClr val="660066"/>
+                </a:solidFill>
+              </a:rPr>
+              <a:t>a</a:t>
+            </a:r>
+            <a:r>
+              <a:rPr lang="en-US" sz="2400" b="1" dirty="0" smtClean="0">
+                <a:solidFill>
+                  <a:srgbClr val="660066"/>
+                </a:solidFill>
+              </a:rPr>
+              <a:t>ccepts </a:t>
+            </a:r>
+            <a:r>
+              <a:rPr lang="en-US" sz="2400" b="1" dirty="0" smtClean="0">
+                <a:solidFill>
+                  <a:srgbClr val="660066"/>
+                </a:solidFill>
+              </a:rPr>
+              <a:t>(</a:t>
+            </a:r>
+            <a:r>
+              <a:rPr lang="en-US" sz="2400" b="1" dirty="0" smtClean="0">
+                <a:solidFill>
+                  <a:srgbClr val="660066"/>
+                </a:solidFill>
+              </a:rPr>
+              <a:t>T’</a:t>
+            </a:r>
+            <a:r>
+              <a:rPr lang="en-US" sz="2400" b="1" dirty="0" smtClean="0">
+                <a:solidFill>
+                  <a:srgbClr val="660066"/>
+                </a:solidFill>
+              </a:rPr>
+              <a:t>, -)</a:t>
+            </a:r>
+            <a:endParaRPr lang="en-US" sz="2400" b="1" dirty="0">
+              <a:solidFill>
+                <a:srgbClr val="660066"/>
+              </a:solidFill>
+            </a:endParaRPr>
+          </a:p>
+        </p:txBody>
+      </p:sp>
+      <p:cxnSp>
+        <p:nvCxnSpPr>
+          <p:cNvPr id="42" name="Straight Arrow Connector 41"/>
+          <p:cNvCxnSpPr>
+            <a:stCxn id="41" idx="2"/>
+          </p:cNvCxnSpPr>
+          <p:nvPr/>
+        </p:nvCxnSpPr>
+        <p:spPr>
+          <a:xfrm flipH="1">
+            <a:off x="4522542" y="2272367"/>
+            <a:ext cx="1676596" cy="2562324"/>
+          </a:xfrm>
+          <a:prstGeom prst="straightConnector1">
+            <a:avLst/>
+          </a:prstGeom>
+          <a:ln>
+            <a:solidFill>
+              <a:srgbClr val="800000"/>
+            </a:solidFill>
+            <a:prstDash val="dash"/>
+            <a:tailEnd type="arrow"/>
+          </a:ln>
+        </p:spPr>
+        <p:style>
+          <a:lnRef idx="2">
+            <a:schemeClr val="accent1"/>
+          </a:lnRef>
+          <a:fillRef idx="0">
+            <a:schemeClr val="accent1"/>
+          </a:fillRef>
+          <a:effectRef idx="1">
+            <a:schemeClr val="accent1"/>
+          </a:effectRef>
+          <a:fontRef idx="minor">
+            <a:schemeClr val="tx1"/>
+          </a:fontRef>
+        </p:style>
+      </p:cxnSp>
+      <p:cxnSp>
+        <p:nvCxnSpPr>
+          <p:cNvPr id="9" name="Straight Connector 8"/>
+          <p:cNvCxnSpPr>
+            <a:stCxn id="40" idx="2"/>
+          </p:cNvCxnSpPr>
+          <p:nvPr/>
+        </p:nvCxnSpPr>
+        <p:spPr>
+          <a:xfrm>
+            <a:off x="3168364" y="2254923"/>
+            <a:ext cx="286036" cy="1364577"/>
+          </a:xfrm>
+          <a:prstGeom prst="line">
+            <a:avLst/>
+          </a:prstGeom>
+          <a:ln>
+            <a:prstDash val="dash"/>
+          </a:ln>
+        </p:spPr>
+        <p:style>
+          <a:lnRef idx="2">
+            <a:schemeClr val="accent1"/>
+          </a:lnRef>
+          <a:fillRef idx="0">
+            <a:schemeClr val="accent1"/>
+          </a:fillRef>
+          <a:effectRef idx="1">
+            <a:schemeClr val="accent1"/>
+          </a:effectRef>
+          <a:fontRef idx="minor">
+            <a:schemeClr val="tx1"/>
+          </a:fontRef>
+        </p:style>
+      </p:cxnSp>
+      <p:sp>
+        <p:nvSpPr>
+          <p:cNvPr id="43" name="TextBox 42"/>
+          <p:cNvSpPr txBox="1"/>
+          <p:nvPr/>
+        </p:nvSpPr>
+        <p:spPr>
+          <a:xfrm>
+            <a:off x="489618" y="289129"/>
+            <a:ext cx="8032583" cy="461665"/>
+          </a:xfrm>
+          <a:prstGeom prst="rect">
+            <a:avLst/>
+          </a:prstGeom>
+          <a:noFill/>
+        </p:spPr>
+        <p:txBody>
+          <a:bodyPr wrap="square" rtlCol="0">
+            <a:spAutoFit/>
+          </a:bodyPr>
+          <a:lstStyle/>
+          <a:p>
+            <a:r>
+              <a:rPr lang="en-US" sz="2400" b="1" dirty="0" smtClean="0"/>
+              <a:t>Proof Idea for Theorem: T’ &lt; T</a:t>
+            </a:r>
+            <a:r>
+              <a:rPr lang="en-US" sz="2400" b="1" baseline="-25000" dirty="0" smtClean="0"/>
+              <a:t>0</a:t>
+            </a:r>
+            <a:endParaRPr lang="en-US" sz="2400" baseline="-25000" dirty="0" smtClean="0"/>
+          </a:p>
+        </p:txBody>
+      </p:sp>
+    </p:spTree>
+    <p:extLst>
+      <p:ext uri="{BB962C8B-B14F-4D97-AF65-F5344CB8AC3E}">
+        <p14:creationId xmlns:p14="http://schemas.microsoft.com/office/powerpoint/2010/main" val="3800593975"/>
       </p:ext>
     </p:extLst>
   </p:cSld>
